--- a/pp/pp7/pp7.pptx
+++ b/pp/pp7/pp7.pptx
@@ -6,7 +6,7 @@
     <p:sldMasterId id="2147483663" r:id="rId2"/>
   </p:sldMasterIdLst>
   <p:handoutMasterIdLst>
-    <p:handoutMasterId r:id="rId38"/>
+    <p:handoutMasterId r:id="rId36"/>
   </p:handoutMasterIdLst>
   <p:sldIdLst>
     <p:sldId id="256" r:id="rId3"/>
@@ -41,9 +41,7 @@
     <p:sldId id="289" r:id="rId32"/>
     <p:sldId id="290" r:id="rId33"/>
     <p:sldId id="291" r:id="rId34"/>
-    <p:sldId id="259" r:id="rId35"/>
-    <p:sldId id="260" r:id="rId36"/>
-    <p:sldId id="261" r:id="rId37"/>
+    <p:sldId id="261" r:id="rId35"/>
   </p:sldIdLst>
   <p:sldSz cx="9144000" cy="6858000" type="screen4x3"/>
   <p:notesSz cx="6858000" cy="9144000"/>
@@ -15066,11 +15064,7 @@
             </a:r>
             <a:r>
               <a:rPr lang="ja-JP" altLang="en-US" dirty="0" smtClean="0"/>
-              <a:t> 班 </a:t>
-            </a:r>
-            <a:r>
-              <a:rPr lang="ja-JP" altLang="en-US" dirty="0" smtClean="0"/>
-              <a:t>第</a:t>
+              <a:t> 班 第</a:t>
             </a:r>
             <a:r>
               <a:rPr lang="en-US" altLang="ja-JP" dirty="0" smtClean="0"/>
@@ -15078,11 +15072,7 @@
             </a:r>
             <a:r>
               <a:rPr lang="ja-JP" altLang="en-US" dirty="0" smtClean="0"/>
-              <a:t>回</a:t>
-            </a:r>
-            <a:r>
-              <a:rPr lang="ja-JP" altLang="en-US" dirty="0" smtClean="0"/>
-              <a:t>報告</a:t>
+              <a:t>回報告</a:t>
             </a:r>
             <a:endParaRPr kumimoji="1" lang="ja-JP" altLang="en-US" dirty="0"/>
           </a:p>
@@ -15306,15 +15296,7 @@
             <a:pPr lvl="1"/>
             <a:r>
               <a:rPr lang="ja-JP" altLang="en-US" dirty="0" smtClean="0"/>
-              <a:t>これ</a:t>
-            </a:r>
-            <a:r>
-              <a:rPr lang="ja-JP" altLang="en-US" dirty="0" smtClean="0"/>
-              <a:t>だけ聞くと当たり前に見えるが、制御線の定義を各メーカーが解釈したときに、クロスケーブルの仕様がメーカー間で多少違いが出てきて</a:t>
-            </a:r>
-            <a:r>
-              <a:rPr lang="ja-JP" altLang="en-US" dirty="0" smtClean="0"/>
-              <a:t>しまったわ</a:t>
+              <a:t>これだけ聞くと当たり前に見えるが、制御線の定義を各メーカーが解釈したときに、クロスケーブルの仕様がメーカー間で多少違いが出てきてしまったわ</a:t>
             </a:r>
             <a:endParaRPr lang="en-US" altLang="ja-JP" dirty="0" smtClean="0"/>
           </a:p>
@@ -15328,27 +15310,14 @@
             </a:r>
             <a:r>
               <a:rPr lang="ja-JP" altLang="en-US" dirty="0" smtClean="0"/>
-              <a:t>これ</a:t>
-            </a:r>
-            <a:r>
-              <a:rPr lang="ja-JP" altLang="en-US" dirty="0" smtClean="0"/>
-              <a:t>が制御線を使うのをお勧めできない理由の</a:t>
-            </a:r>
-            <a:r>
-              <a:rPr lang="ja-JP" altLang="en-US" dirty="0" smtClean="0"/>
-              <a:t>ひとつよ</a:t>
-            </a:r>
-            <a:endParaRPr lang="ja-JP" altLang="en-US" dirty="0" smtClean="0"/>
+              <a:t>これが制御線を使うのをお勧めできない理由のひとつよ</a:t>
+            </a:r>
           </a:p>
           <a:p>
             <a:pPr lvl="1"/>
             <a:r>
               <a:rPr lang="ja-JP" altLang="en-US" dirty="0" smtClean="0"/>
-              <a:t>ちなみ</a:t>
-            </a:r>
-            <a:r>
-              <a:rPr lang="ja-JP" altLang="en-US" dirty="0" smtClean="0"/>
-              <a:t>に筆者</a:t>
+              <a:t>ちなみに筆者</a:t>
             </a:r>
             <a:r>
               <a:rPr lang="en-US" altLang="ja-JP" dirty="0" smtClean="0"/>
@@ -15364,11 +15333,7 @@
             </a:r>
             <a:r>
               <a:rPr lang="ja-JP" altLang="en-US" dirty="0" smtClean="0"/>
-              <a:t>さんは</a:t>
-            </a:r>
-            <a:r>
-              <a:rPr lang="ja-JP" altLang="en-US" dirty="0" smtClean="0"/>
-              <a:t>、</a:t>
+              <a:t>さんは、</a:t>
             </a:r>
             <a:r>
               <a:rPr lang="en-US" altLang="ja-JP" dirty="0" smtClean="0"/>
@@ -15380,11 +15345,7 @@
             </a:r>
             <a:r>
               <a:rPr lang="ja-JP" altLang="en-US" dirty="0" smtClean="0"/>
-              <a:t>上でストレートケーブルでモジュールをつなげてしまうというミスをして、数時間ぐらいはまっていたことが</a:t>
-            </a:r>
-            <a:r>
-              <a:rPr lang="ja-JP" altLang="en-US" dirty="0" smtClean="0"/>
-              <a:t>あるらしいわ、みんなは注意</a:t>
+              <a:t>上でストレートケーブルでモジュールをつなげてしまうというミスをして、数時間ぐらいはまっていたことがあるらしいわ、みんなは注意</a:t>
             </a:r>
             <a:endParaRPr lang="en-US" altLang="ja-JP" dirty="0" smtClean="0"/>
           </a:p>
@@ -15398,11 +15359,7 @@
             </a:r>
             <a:r>
               <a:rPr lang="ja-JP" altLang="en-US" dirty="0" smtClean="0"/>
-              <a:t>するといい</a:t>
-            </a:r>
-            <a:r>
-              <a:rPr lang="ja-JP" altLang="en-US" dirty="0" smtClean="0"/>
-              <a:t>わね</a:t>
+              <a:t>するといいわね</a:t>
             </a:r>
             <a:endParaRPr lang="en-US" altLang="ja-JP" dirty="0" smtClean="0"/>
           </a:p>
@@ -15412,15 +15369,7 @@
             </a:pPr>
             <a:r>
               <a:rPr lang="en-US" altLang="ja-JP" dirty="0" smtClean="0"/>
-              <a:t>	</a:t>
-            </a:r>
-            <a:r>
-              <a:rPr lang="en-US" altLang="ja-JP" dirty="0" smtClean="0"/>
-              <a:t>(</a:t>
-            </a:r>
-            <a:r>
-              <a:rPr lang="en-US" altLang="ja-JP" dirty="0" smtClean="0"/>
-              <a:t>out </a:t>
+              <a:t>	(out </a:t>
             </a:r>
             <a:r>
               <a:rPr lang="ja-JP" altLang="en-US" dirty="0" smtClean="0"/>
@@ -15532,11 +15481,7 @@
             <a:pPr lvl="1"/>
             <a:r>
               <a:rPr lang="ja-JP" altLang="en-US" dirty="0" smtClean="0"/>
-              <a:t>当初</a:t>
-            </a:r>
-            <a:r>
-              <a:rPr lang="ja-JP" altLang="en-US" dirty="0" smtClean="0"/>
-              <a:t>の規格では、かなりの低速通信用として開発されたため、</a:t>
+              <a:t>当初の規格では、かなりの低速通信用として開発されたため、</a:t>
             </a:r>
             <a:r>
               <a:rPr lang="en-US" altLang="ja-JP" dirty="0" smtClean="0"/>
@@ -15560,26 +15505,14 @@
             </a:r>
             <a:r>
               <a:rPr lang="ja-JP" altLang="en-US" dirty="0" smtClean="0"/>
-              <a:t>で策定</a:t>
-            </a:r>
-            <a:r>
-              <a:rPr lang="ja-JP" altLang="en-US" dirty="0" smtClean="0"/>
-              <a:t>された</a:t>
-            </a:r>
-            <a:r>
-              <a:rPr lang="ja-JP" altLang="en-US" dirty="0" smtClean="0"/>
-              <a:t>わ</a:t>
+              <a:t>で策定されたわ</a:t>
             </a:r>
           </a:p>
           <a:p>
             <a:pPr lvl="1"/>
             <a:r>
               <a:rPr lang="ja-JP" altLang="en-US" dirty="0" smtClean="0"/>
-              <a:t>これ</a:t>
-            </a:r>
-            <a:r>
-              <a:rPr lang="ja-JP" altLang="en-US" dirty="0" smtClean="0"/>
-              <a:t>が、ある程度時間がたつと、遅すぎるということで</a:t>
+              <a:t>これが、ある程度時間がたつと、遅すぎるということで</a:t>
             </a:r>
             <a:r>
               <a:rPr lang="en-US" altLang="ja-JP" dirty="0" smtClean="0"/>
@@ -15587,23 +15520,14 @@
             </a:r>
             <a:r>
               <a:rPr lang="ja-JP" altLang="en-US" dirty="0" smtClean="0"/>
-              <a:t>が使われるように</a:t>
-            </a:r>
-            <a:r>
-              <a:rPr lang="ja-JP" altLang="en-US" dirty="0" smtClean="0"/>
-              <a:t>なって、</a:t>
-            </a:r>
-            <a:endParaRPr lang="ja-JP" altLang="en-US" dirty="0" smtClean="0"/>
+              <a:t>が使われるようになって、</a:t>
+            </a:r>
           </a:p>
           <a:p>
             <a:pPr lvl="1"/>
             <a:r>
               <a:rPr lang="ja-JP" altLang="en-US" dirty="0" smtClean="0"/>
-              <a:t>さらに</a:t>
-            </a:r>
-            <a:r>
-              <a:rPr lang="ja-JP" altLang="en-US" dirty="0" smtClean="0"/>
-              <a:t>時間がたって、</a:t>
+              <a:t>さらに時間がたって、</a:t>
             </a:r>
             <a:r>
               <a:rPr lang="en-US" altLang="ja-JP" dirty="0" smtClean="0"/>
@@ -15611,23 +15535,14 @@
             </a:r>
             <a:r>
               <a:rPr lang="ja-JP" altLang="en-US" dirty="0" smtClean="0"/>
-              <a:t>が策定</a:t>
-            </a:r>
-            <a:r>
-              <a:rPr lang="ja-JP" altLang="en-US" dirty="0" smtClean="0"/>
-              <a:t>されて、</a:t>
-            </a:r>
-            <a:endParaRPr lang="ja-JP" altLang="en-US" dirty="0" smtClean="0"/>
+              <a:t>が策定されて、</a:t>
+            </a:r>
           </a:p>
           <a:p>
             <a:pPr lvl="1"/>
             <a:r>
               <a:rPr lang="ja-JP" altLang="en-US" dirty="0" smtClean="0"/>
-              <a:t>最終的</a:t>
-            </a:r>
-            <a:r>
-              <a:rPr lang="ja-JP" altLang="en-US" dirty="0" smtClean="0"/>
-              <a:t>に、</a:t>
+              <a:t>最終的に、</a:t>
             </a:r>
             <a:r>
               <a:rPr lang="en-US" altLang="ja-JP" dirty="0" smtClean="0"/>
@@ -15651,11 +15566,7 @@
             </a:r>
             <a:r>
               <a:rPr lang="ja-JP" altLang="en-US" dirty="0" smtClean="0"/>
-              <a:t>が策定</a:t>
-            </a:r>
-            <a:r>
-              <a:rPr lang="ja-JP" altLang="en-US" dirty="0" smtClean="0"/>
-              <a:t>され</a:t>
+              <a:t>が策定され</a:t>
             </a:r>
             <a:endParaRPr lang="en-US" altLang="ja-JP" dirty="0" smtClean="0"/>
           </a:p>
@@ -15789,11 +15700,7 @@
             </a:r>
             <a:r>
               <a:rPr lang="ja-JP" altLang="en-US" dirty="0" smtClean="0"/>
-              <a:t>が</a:t>
-            </a:r>
-            <a:r>
-              <a:rPr lang="ja-JP" altLang="en-US" dirty="0" smtClean="0"/>
-              <a:t>上限よ</a:t>
+              <a:t>が上限よ</a:t>
             </a:r>
             <a:r>
               <a:rPr lang="en-US" altLang="ja-JP" dirty="0" smtClean="0"/>
@@ -15812,15 +15719,7 @@
             <a:pPr lvl="2"/>
             <a:r>
               <a:rPr lang="ja-JP" altLang="en-US" dirty="0" smtClean="0"/>
-              <a:t>それ</a:t>
-            </a:r>
-            <a:r>
-              <a:rPr lang="ja-JP" altLang="en-US" dirty="0" smtClean="0"/>
-              <a:t>以上の速さでは本来プログラムで開けないはずなん</a:t>
-            </a:r>
-            <a:r>
-              <a:rPr lang="ja-JP" altLang="en-US" dirty="0" smtClean="0"/>
-              <a:t>だけど、</a:t>
+              <a:t>それ以上の速さでは本来プログラムで開けないはずなんだけど、</a:t>
             </a:r>
             <a:r>
               <a:rPr lang="en-US" altLang="ja-JP" dirty="0" err="1" smtClean="0"/>
@@ -15828,19 +15727,7 @@
             </a:r>
             <a:r>
               <a:rPr lang="ja-JP" altLang="en-US" dirty="0" smtClean="0"/>
-              <a:t>では何をしているのか</a:t>
-            </a:r>
-            <a:r>
-              <a:rPr lang="ja-JP" altLang="en-US" dirty="0" smtClean="0"/>
-              <a:t>知らないけど、</a:t>
-            </a:r>
-            <a:r>
-              <a:rPr lang="ja-JP" altLang="en-US" dirty="0" smtClean="0"/>
-              <a:t>それ以上の速度で通信できているように</a:t>
-            </a:r>
-            <a:r>
-              <a:rPr lang="ja-JP" altLang="en-US" dirty="0" smtClean="0"/>
-              <a:t>見えるわ</a:t>
+              <a:t>では何をしているのか知らないけど、それ以上の速度で通信できているように見えるわ</a:t>
             </a:r>
             <a:endParaRPr lang="en-US" altLang="ja-JP" dirty="0" smtClean="0"/>
           </a:p>
@@ -15850,19 +15737,11 @@
             </a:pPr>
             <a:r>
               <a:rPr lang="en-US" altLang="ja-JP" dirty="0" smtClean="0"/>
-              <a:t>	</a:t>
-            </a:r>
-            <a:r>
-              <a:rPr lang="en-US" altLang="ja-JP" dirty="0" smtClean="0"/>
-              <a:t>(</a:t>
-            </a:r>
-            <a:r>
-              <a:rPr lang="ja-JP" altLang="en-US" dirty="0" smtClean="0"/>
-              <a:t>多分実際にはその速度でやり取りして</a:t>
-            </a:r>
-            <a:r>
-              <a:rPr lang="ja-JP" altLang="en-US" dirty="0" smtClean="0"/>
-              <a:t>いないの</a:t>
+              <a:t>	(</a:t>
+            </a:r>
+            <a:r>
+              <a:rPr lang="ja-JP" altLang="en-US" dirty="0" smtClean="0"/>
+              <a:t>多分実際にはその速度でやり取りしていないの</a:t>
             </a:r>
             <a:endParaRPr lang="en-US" altLang="ja-JP" dirty="0" smtClean="0"/>
           </a:p>
@@ -15882,17 +15761,12 @@
               <a:rPr lang="en-US" altLang="ja-JP" dirty="0" smtClean="0"/>
               <a:t>)</a:t>
             </a:r>
-            <a:endParaRPr lang="en-US" altLang="ja-JP" dirty="0" smtClean="0"/>
           </a:p>
           <a:p>
             <a:pPr lvl="1"/>
             <a:r>
               <a:rPr lang="ja-JP" altLang="en-US" dirty="0" smtClean="0"/>
-              <a:t>ぷ</a:t>
-            </a:r>
-            <a:r>
-              <a:rPr lang="ja-JP" altLang="en-US" dirty="0" smtClean="0"/>
-              <a:t>ｎ</a:t>
+              <a:t>ぷｎ</a:t>
             </a:r>
             <a:r>
               <a:rPr lang="en-US" altLang="ja-JP" dirty="0" smtClean="0"/>
@@ -15900,15 +15774,7 @@
             </a:r>
             <a:r>
               <a:rPr lang="ja-JP" altLang="en-US" dirty="0" smtClean="0"/>
-              <a:t>コホン、入江</a:t>
-            </a:r>
-            <a:r>
-              <a:rPr lang="ja-JP" altLang="en-US" dirty="0" smtClean="0"/>
-              <a:t>先生の貸してくれた</a:t>
-            </a:r>
-            <a:r>
-              <a:rPr lang="ja-JP" altLang="en-US" dirty="0" smtClean="0"/>
-              <a:t>シリアル</a:t>
+              <a:t>コホン、入江先生の貸してくれたシリアル</a:t>
             </a:r>
             <a:endParaRPr lang="en-US" altLang="ja-JP" dirty="0" smtClean="0"/>
           </a:p>
@@ -15918,11 +15784,7 @@
             </a:pPr>
             <a:r>
               <a:rPr lang="en-US" altLang="ja-JP" dirty="0" smtClean="0"/>
-              <a:t>	</a:t>
-            </a:r>
-            <a:r>
-              <a:rPr lang="en-US" altLang="ja-JP" dirty="0" smtClean="0"/>
-              <a:t>2USB</a:t>
+              <a:t>	2USB</a:t>
             </a:r>
             <a:r>
               <a:rPr lang="ja-JP" altLang="en-US" dirty="0" smtClean="0"/>
@@ -15938,11 +15800,7 @@
             </a:r>
             <a:r>
               <a:rPr lang="ja-JP" altLang="en-US" dirty="0" smtClean="0"/>
-              <a:t>いけて</a:t>
-            </a:r>
-            <a:r>
-              <a:rPr lang="ja-JP" altLang="en-US" dirty="0" smtClean="0"/>
-              <a:t>、</a:t>
+              <a:t>いけて、</a:t>
             </a:r>
             <a:endParaRPr lang="en-US" altLang="ja-JP" dirty="0" smtClean="0"/>
           </a:p>
@@ -15956,11 +15814,7 @@
             </a:r>
             <a:r>
               <a:rPr lang="ja-JP" altLang="en-US" dirty="0" smtClean="0"/>
-              <a:t>受信</a:t>
-            </a:r>
-            <a:r>
-              <a:rPr lang="ja-JP" altLang="en-US" dirty="0" smtClean="0"/>
-              <a:t>は</a:t>
+              <a:t>受信は</a:t>
             </a:r>
             <a:r>
               <a:rPr lang="en-US" altLang="ja-JP" dirty="0" smtClean="0"/>
@@ -16072,15 +15926,7 @@
             </a:r>
             <a:r>
               <a:rPr lang="ja-JP" altLang="en-US" dirty="0" smtClean="0"/>
-              <a:t>出せるという噂も</a:t>
-            </a:r>
-            <a:r>
-              <a:rPr lang="ja-JP" altLang="en-US" dirty="0" smtClean="0"/>
-              <a:t>ある</a:t>
-            </a:r>
-            <a:r>
-              <a:rPr lang="ja-JP" altLang="en-US" dirty="0" smtClean="0"/>
-              <a:t>わ</a:t>
+              <a:t>出せるという噂もあるわ</a:t>
             </a:r>
             <a:endParaRPr lang="en-US" altLang="ja-JP" dirty="0" smtClean="0"/>
           </a:p>
@@ -16092,11 +15938,7 @@
             <a:pPr lvl="1"/>
             <a:r>
               <a:rPr lang="ja-JP" altLang="en-US" dirty="0" smtClean="0"/>
-              <a:t>ちなみ</a:t>
-            </a:r>
-            <a:r>
-              <a:rPr lang="ja-JP" altLang="en-US" dirty="0" smtClean="0"/>
-              <a:t>に、</a:t>
+              <a:t>ちなみに、</a:t>
             </a:r>
             <a:r>
               <a:rPr lang="en-US" altLang="ja-JP" dirty="0" smtClean="0"/>
@@ -16134,7 +15976,6 @@
               <a:rPr lang="ja-JP" altLang="en-US" dirty="0" smtClean="0"/>
               <a:t>かかるわ</a:t>
             </a:r>
-            <a:endParaRPr lang="ja-JP" altLang="en-US" dirty="0" smtClean="0"/>
           </a:p>
           <a:p>
             <a:pPr lvl="1"/>
@@ -16144,15 +15985,7 @@
             </a:r>
             <a:r>
               <a:rPr lang="ja-JP" altLang="en-US" dirty="0" smtClean="0"/>
-              <a:t>基板の方が圧倒的に性能が</a:t>
-            </a:r>
-            <a:r>
-              <a:rPr lang="ja-JP" altLang="en-US" dirty="0" smtClean="0"/>
-              <a:t>高いから、</a:t>
-            </a:r>
-            <a:r>
-              <a:rPr lang="ja-JP" altLang="en-US" dirty="0" smtClean="0"/>
-              <a:t>たとえ</a:t>
+              <a:t>基板の方が圧倒的に性能が高いから、たとえ</a:t>
             </a:r>
             <a:r>
               <a:rPr lang="en-US" altLang="ja-JP" dirty="0" smtClean="0"/>
@@ -16160,11 +15993,7 @@
             </a:r>
             <a:r>
               <a:rPr lang="ja-JP" altLang="en-US" dirty="0" smtClean="0"/>
-              <a:t>でも余裕で受信</a:t>
-            </a:r>
-            <a:r>
-              <a:rPr lang="ja-JP" altLang="en-US" dirty="0" smtClean="0"/>
-              <a:t>できるわ</a:t>
+              <a:t>でも余裕で受信できるわ</a:t>
             </a:r>
             <a:endParaRPr lang="en-US" altLang="ja-JP" dirty="0" smtClean="0"/>
           </a:p>
@@ -16174,11 +16003,7 @@
             </a:pPr>
             <a:r>
               <a:rPr lang="en-US" altLang="ja-JP" dirty="0" smtClean="0"/>
-              <a:t>	</a:t>
-            </a:r>
-            <a:r>
-              <a:rPr lang="en-US" altLang="ja-JP" dirty="0" smtClean="0"/>
-              <a:t>(</a:t>
+              <a:t>	(</a:t>
             </a:r>
             <a:r>
               <a:rPr lang="ja-JP" altLang="en-US" dirty="0" smtClean="0"/>
@@ -16196,17 +16021,12 @@
               <a:rPr lang="en-US" altLang="ja-JP" dirty="0" smtClean="0"/>
               <a:t>)</a:t>
             </a:r>
-            <a:endParaRPr lang="en-US" altLang="ja-JP" dirty="0" smtClean="0"/>
           </a:p>
           <a:p>
             <a:pPr lvl="1"/>
             <a:r>
               <a:rPr lang="ja-JP" altLang="en-US" dirty="0" smtClean="0"/>
-              <a:t>ちなみ</a:t>
-            </a:r>
-            <a:r>
-              <a:rPr lang="ja-JP" altLang="en-US" dirty="0" smtClean="0"/>
-              <a:t>に、</a:t>
+              <a:t>ちなみに、</a:t>
             </a:r>
             <a:r>
               <a:rPr lang="en-US" altLang="ja-JP" dirty="0" smtClean="0"/>
@@ -16214,11 +16034,7 @@
             </a:r>
             <a:r>
               <a:rPr lang="ja-JP" altLang="en-US" dirty="0" smtClean="0"/>
-              <a:t>なら、旧基板でももはや</a:t>
-            </a:r>
-            <a:r>
-              <a:rPr lang="ja-JP" altLang="en-US" dirty="0" smtClean="0"/>
-              <a:t>シリ</a:t>
+              <a:t>なら、旧基板でももはやシリ</a:t>
             </a:r>
             <a:endParaRPr lang="en-US" altLang="ja-JP" dirty="0" smtClean="0"/>
           </a:p>
@@ -16232,15 +16048,7 @@
             </a:r>
             <a:r>
               <a:rPr lang="ja-JP" altLang="en-US" dirty="0" smtClean="0"/>
-              <a:t>アル</a:t>
-            </a:r>
-            <a:r>
-              <a:rPr lang="ja-JP" altLang="en-US" dirty="0" smtClean="0"/>
-              <a:t>の速度が無視できるぐらい</a:t>
-            </a:r>
-            <a:r>
-              <a:rPr lang="ja-JP" altLang="en-US" dirty="0" smtClean="0"/>
-              <a:t>速いわ</a:t>
+              <a:t>アルの速度が無視できるぐらい速いわ</a:t>
             </a:r>
             <a:endParaRPr lang="en-US" altLang="ja-JP" dirty="0" smtClean="0"/>
           </a:p>
@@ -16250,11 +16058,7 @@
             </a:pPr>
             <a:r>
               <a:rPr lang="en-US" altLang="ja-JP" dirty="0" smtClean="0"/>
-              <a:t>	</a:t>
-            </a:r>
-            <a:r>
-              <a:rPr lang="en-US" altLang="ja-JP" dirty="0" smtClean="0"/>
-              <a:t>(</a:t>
+              <a:t>	(</a:t>
             </a:r>
             <a:r>
               <a:rPr lang="ja-JP" altLang="en-US" dirty="0" smtClean="0"/>
@@ -16348,68 +16152,35 @@
             <a:pPr lvl="1"/>
             <a:r>
               <a:rPr lang="ja-JP" altLang="en-US" dirty="0" smtClean="0"/>
-              <a:t>以下</a:t>
-            </a:r>
-            <a:r>
-              <a:rPr lang="ja-JP" altLang="en-US" dirty="0" smtClean="0"/>
-              <a:t>のように信号と電圧が対応して</a:t>
-            </a:r>
-            <a:r>
-              <a:rPr lang="ja-JP" altLang="en-US" dirty="0" smtClean="0"/>
-              <a:t>いるわ</a:t>
-            </a:r>
-            <a:endParaRPr lang="ja-JP" altLang="en-US" dirty="0" smtClean="0"/>
+              <a:t>以下のように信号と電圧が対応しているわ</a:t>
+            </a:r>
           </a:p>
           <a:p>
             <a:pPr lvl="2"/>
             <a:r>
               <a:rPr lang="en-US" altLang="ja-JP" dirty="0" smtClean="0"/>
-              <a:t>0</a:t>
-            </a:r>
+              <a:t>0:+12V</a:t>
+            </a:r>
+          </a:p>
+          <a:p>
+            <a:pPr lvl="2"/>
             <a:r>
               <a:rPr lang="en-US" altLang="ja-JP" dirty="0" smtClean="0"/>
-              <a:t>:+12V</a:t>
-            </a:r>
-          </a:p>
-          <a:p>
-            <a:pPr lvl="2"/>
-            <a:r>
-              <a:rPr lang="en-US" altLang="ja-JP" dirty="0" smtClean="0"/>
-              <a:t>1</a:t>
-            </a:r>
-            <a:r>
-              <a:rPr lang="en-US" altLang="ja-JP" dirty="0" smtClean="0"/>
-              <a:t>:-12V</a:t>
+              <a:t>1:-12V</a:t>
             </a:r>
           </a:p>
           <a:p>
             <a:pPr lvl="1"/>
             <a:r>
               <a:rPr lang="ja-JP" altLang="en-US" dirty="0" smtClean="0"/>
-              <a:t>拡張</a:t>
-            </a:r>
-            <a:r>
-              <a:rPr lang="ja-JP" altLang="en-US" dirty="0" smtClean="0"/>
-              <a:t>基板上に作成する場合は自分で電圧調整のチップを挟む必要が</a:t>
-            </a:r>
-            <a:r>
-              <a:rPr lang="ja-JP" altLang="en-US" dirty="0" smtClean="0"/>
-              <a:t>あった</a:t>
-            </a:r>
-            <a:r>
-              <a:rPr lang="ja-JP" altLang="en-US" dirty="0" smtClean="0"/>
-              <a:t>けど</a:t>
+              <a:t>拡張基板上に作成する場合は自分で電圧調整のチップを挟む必要があったけど</a:t>
             </a:r>
           </a:p>
           <a:p>
             <a:pPr lvl="1"/>
             <a:r>
               <a:rPr lang="ja-JP" altLang="en-US" dirty="0" smtClean="0"/>
-              <a:t>新基板</a:t>
-            </a:r>
-            <a:r>
-              <a:rPr lang="ja-JP" altLang="en-US" dirty="0" smtClean="0"/>
-              <a:t>では</a:t>
+              <a:t>新基板では</a:t>
             </a:r>
             <a:r>
               <a:rPr lang="en-US" altLang="ja-JP" dirty="0" smtClean="0"/>
@@ -16417,11 +16188,7 @@
             </a:r>
             <a:r>
               <a:rPr lang="ja-JP" altLang="en-US" dirty="0" smtClean="0"/>
-              <a:t>のピンが電圧調整の石を</a:t>
-            </a:r>
-            <a:r>
-              <a:rPr lang="ja-JP" altLang="en-US" dirty="0" smtClean="0"/>
-              <a:t>はさん</a:t>
+              <a:t>のピンが電圧調整の石をはさん</a:t>
             </a:r>
             <a:endParaRPr lang="en-US" altLang="ja-JP" dirty="0" smtClean="0"/>
           </a:p>
@@ -16435,31 +16202,7 @@
             </a:r>
             <a:r>
               <a:rPr lang="ja-JP" altLang="en-US" dirty="0" smtClean="0"/>
-              <a:t>で</a:t>
-            </a:r>
-            <a:r>
-              <a:rPr lang="ja-JP" altLang="en-US" dirty="0" smtClean="0"/>
-              <a:t>ソケットにつながって</a:t>
-            </a:r>
-            <a:r>
-              <a:rPr lang="ja-JP" altLang="en-US" dirty="0" smtClean="0"/>
-              <a:t>いる</a:t>
-            </a:r>
-            <a:r>
-              <a:rPr lang="ja-JP" altLang="en-US" dirty="0" smtClean="0"/>
-              <a:t>から</a:t>
-            </a:r>
-            <a:r>
-              <a:rPr lang="ja-JP" altLang="en-US" dirty="0" smtClean="0"/>
-              <a:t>、</a:t>
-            </a:r>
-            <a:r>
-              <a:rPr lang="ja-JP" altLang="en-US" dirty="0" smtClean="0"/>
-              <a:t>何も考えず</a:t>
-            </a:r>
-            <a:r>
-              <a:rPr lang="ja-JP" altLang="en-US" dirty="0" smtClean="0"/>
-              <a:t>に</a:t>
+              <a:t>でソケットにつながっているから、何も考えずに</a:t>
             </a:r>
             <a:endParaRPr lang="en-US" altLang="ja-JP" dirty="0" smtClean="0"/>
           </a:p>
@@ -16469,19 +16212,11 @@
             </a:pPr>
             <a:r>
               <a:rPr lang="en-US" altLang="ja-JP" dirty="0" smtClean="0"/>
-              <a:t>	</a:t>
-            </a:r>
-            <a:r>
-              <a:rPr lang="en-US" altLang="ja-JP" dirty="0" smtClean="0"/>
-              <a:t>0,1</a:t>
-            </a:r>
-            <a:r>
-              <a:rPr lang="ja-JP" altLang="en-US" dirty="0" smtClean="0"/>
-              <a:t>を出力すれば</a:t>
-            </a:r>
-            <a:r>
-              <a:rPr lang="ja-JP" altLang="en-US" dirty="0" smtClean="0"/>
-              <a:t>よいわ</a:t>
+              <a:t>	0,1</a:t>
+            </a:r>
+            <a:r>
+              <a:rPr lang="ja-JP" altLang="en-US" dirty="0" smtClean="0"/>
+              <a:t>を出力すればよいわ</a:t>
             </a:r>
             <a:endParaRPr kumimoji="1" lang="ja-JP" altLang="en-US" dirty="0"/>
           </a:p>
@@ -16567,46 +16302,21 @@
             <a:pPr lvl="1"/>
             <a:r>
               <a:rPr lang="ja-JP" altLang="en-US" dirty="0" smtClean="0"/>
-              <a:t>受信</a:t>
-            </a:r>
-            <a:r>
-              <a:rPr lang="ja-JP" altLang="en-US" dirty="0" smtClean="0"/>
-              <a:t>と送信の原理は</a:t>
-            </a:r>
-            <a:r>
-              <a:rPr lang="ja-JP" altLang="en-US" dirty="0" smtClean="0"/>
-              <a:t>同じよ</a:t>
-            </a:r>
-            <a:endParaRPr lang="ja-JP" altLang="en-US" dirty="0" smtClean="0"/>
+              <a:t>受信と送信の原理は同じよ</a:t>
+            </a:r>
           </a:p>
           <a:p>
             <a:pPr lvl="1"/>
             <a:r>
               <a:rPr lang="ja-JP" altLang="en-US" dirty="0" smtClean="0"/>
-              <a:t>以下</a:t>
-            </a:r>
-            <a:r>
-              <a:rPr lang="ja-JP" altLang="en-US" dirty="0" smtClean="0"/>
-              <a:t>のようにデータが流れて</a:t>
-            </a:r>
-            <a:r>
-              <a:rPr lang="ja-JP" altLang="en-US" dirty="0" smtClean="0"/>
-              <a:t>くる</a:t>
-            </a:r>
-            <a:r>
-              <a:rPr lang="ja-JP" altLang="en-US" dirty="0" smtClean="0"/>
-              <a:t>わ</a:t>
+              <a:t>以下のようにデータが流れてくるわ</a:t>
             </a:r>
           </a:p>
           <a:p>
             <a:pPr lvl="2"/>
             <a:r>
               <a:rPr lang="ja-JP" altLang="en-US" dirty="0" smtClean="0"/>
-              <a:t>通常</a:t>
-            </a:r>
-            <a:r>
-              <a:rPr lang="ja-JP" altLang="en-US" dirty="0" smtClean="0"/>
-              <a:t>時</a:t>
+              <a:t>通常時</a:t>
             </a:r>
             <a:r>
               <a:rPr lang="en-US" altLang="ja-JP" dirty="0" smtClean="0"/>
@@ -16617,11 +16327,7 @@
             <a:pPr lvl="2"/>
             <a:r>
               <a:rPr lang="ja-JP" altLang="en-US" dirty="0" smtClean="0"/>
-              <a:t>データ</a:t>
-            </a:r>
-            <a:r>
-              <a:rPr lang="ja-JP" altLang="en-US" dirty="0" smtClean="0"/>
-              <a:t>を送りたいとき</a:t>
+              <a:t>データを送りたいとき</a:t>
             </a:r>
             <a:r>
               <a:rPr lang="en-US" altLang="ja-JP" dirty="0" smtClean="0"/>
@@ -16684,15 +16390,7 @@
             <a:pPr lvl="1"/>
             <a:r>
               <a:rPr lang="ja-JP" altLang="en-US" dirty="0" smtClean="0"/>
-              <a:t>パリティ</a:t>
-            </a:r>
-            <a:r>
-              <a:rPr lang="ja-JP" altLang="en-US" dirty="0" smtClean="0"/>
-              <a:t>を使用するかどうかやストップビット</a:t>
-            </a:r>
-            <a:r>
-              <a:rPr lang="ja-JP" altLang="en-US" dirty="0" smtClean="0"/>
-              <a:t>・</a:t>
+              <a:t>パリティを使用するかどうかやストップビット・</a:t>
             </a:r>
             <a:endParaRPr lang="en-US" altLang="ja-JP" dirty="0" smtClean="0"/>
           </a:p>
@@ -16706,11 +16404,7 @@
             </a:r>
             <a:r>
               <a:rPr lang="ja-JP" altLang="en-US" dirty="0" smtClean="0"/>
-              <a:t>データビット</a:t>
-            </a:r>
-            <a:r>
-              <a:rPr lang="ja-JP" altLang="en-US" dirty="0" smtClean="0"/>
-              <a:t>をいくつにするかは</a:t>
+              <a:t>データビットをいくつにするかは</a:t>
             </a:r>
             <a:r>
               <a:rPr lang="en-US" altLang="ja-JP" dirty="0" smtClean="0"/>
@@ -16718,11 +16412,7 @@
             </a:r>
             <a:r>
               <a:rPr lang="ja-JP" altLang="en-US" dirty="0" smtClean="0"/>
-              <a:t>と</a:t>
-            </a:r>
-            <a:r>
-              <a:rPr lang="ja-JP" altLang="en-US" dirty="0" smtClean="0"/>
-              <a:t>同じ</a:t>
+              <a:t>と同じ</a:t>
             </a:r>
             <a:endParaRPr lang="en-US" altLang="ja-JP" dirty="0" smtClean="0"/>
           </a:p>
@@ -16736,15 +16426,7 @@
             </a:r>
             <a:r>
               <a:rPr lang="ja-JP" altLang="en-US" dirty="0" smtClean="0"/>
-              <a:t>よう</a:t>
-            </a:r>
-            <a:r>
-              <a:rPr lang="ja-JP" altLang="en-US" dirty="0" smtClean="0"/>
-              <a:t>に、プログラムでポートを開く際に</a:t>
-            </a:r>
-            <a:r>
-              <a:rPr lang="ja-JP" altLang="en-US" dirty="0" smtClean="0"/>
-              <a:t>決められ</a:t>
+              <a:t>ように、プログラムでポートを開く際に決められ</a:t>
             </a:r>
             <a:endParaRPr lang="en-US" altLang="ja-JP" dirty="0" smtClean="0"/>
           </a:p>
@@ -16758,15 +16440,7 @@
             </a:r>
             <a:r>
               <a:rPr lang="ja-JP" altLang="en-US" dirty="0" smtClean="0"/>
-              <a:t>るから、</a:t>
-            </a:r>
-            <a:r>
-              <a:rPr lang="ja-JP" altLang="en-US" dirty="0" smtClean="0"/>
-              <a:t>好きなものにする</a:t>
-            </a:r>
-            <a:r>
-              <a:rPr lang="ja-JP" altLang="en-US" dirty="0" smtClean="0"/>
-              <a:t>とよいわ</a:t>
+              <a:t>るから、好きなものにするとよいわ</a:t>
             </a:r>
             <a:endParaRPr lang="en-US" altLang="ja-JP" dirty="0" smtClean="0"/>
           </a:p>
@@ -16776,11 +16450,7 @@
             </a:pPr>
             <a:r>
               <a:rPr lang="en-US" altLang="ja-JP" dirty="0" smtClean="0"/>
-              <a:t>	</a:t>
-            </a:r>
-            <a:r>
-              <a:rPr lang="en-US" altLang="ja-JP" dirty="0" smtClean="0"/>
-              <a:t>(</a:t>
+              <a:t>	(</a:t>
             </a:r>
             <a:r>
               <a:rPr lang="en-US" altLang="ja-JP" dirty="0" err="1" smtClean="0"/>
@@ -16794,7 +16464,6 @@
               <a:rPr lang="en-US" altLang="ja-JP" dirty="0" smtClean="0"/>
               <a:t>)</a:t>
             </a:r>
-            <a:endParaRPr lang="en-US" altLang="ja-JP" dirty="0" smtClean="0"/>
           </a:p>
         </p:txBody>
       </p:sp>
@@ -16899,11 +16568,7 @@
             <a:pPr lvl="1"/>
             <a:r>
               <a:rPr lang="ja-JP" altLang="en-US" dirty="0" smtClean="0"/>
-              <a:t>送信</a:t>
-            </a:r>
-            <a:r>
-              <a:rPr lang="ja-JP" altLang="en-US" dirty="0" smtClean="0"/>
-              <a:t>線と受信線だけを使うと</a:t>
+              <a:t>送信線と受信線だけを使うと</a:t>
             </a:r>
             <a:r>
               <a:rPr lang="en-US" altLang="ja-JP" dirty="0" smtClean="0"/>
@@ -16911,27 +16576,7 @@
             </a:r>
             <a:r>
               <a:rPr lang="ja-JP" altLang="en-US" dirty="0" smtClean="0"/>
-              <a:t>側が</a:t>
-            </a:r>
-            <a:r>
-              <a:rPr lang="ja-JP" altLang="en-US" dirty="0" smtClean="0"/>
-              <a:t>待てない</a:t>
-            </a:r>
-            <a:r>
-              <a:rPr lang="ja-JP" altLang="en-US" dirty="0" smtClean="0"/>
-              <a:t>から</a:t>
-            </a:r>
-            <a:r>
-              <a:rPr lang="ja-JP" altLang="en-US" dirty="0" smtClean="0"/>
-              <a:t>、</a:t>
-            </a:r>
-            <a:r>
-              <a:rPr lang="ja-JP" altLang="en-US" dirty="0" smtClean="0"/>
-              <a:t>自動的にバッファを作る仕様に</a:t>
-            </a:r>
-            <a:r>
-              <a:rPr lang="ja-JP" altLang="en-US" dirty="0" smtClean="0"/>
-              <a:t>なるわ</a:t>
+              <a:t>側が待てないから、自動的にバッファを作る仕様になるわ</a:t>
             </a:r>
             <a:endParaRPr lang="en-US" altLang="ja-JP" dirty="0" smtClean="0"/>
           </a:p>
@@ -17021,11 +16666,7 @@
             <a:pPr lvl="1"/>
             <a:r>
               <a:rPr lang="ja-JP" altLang="en-US" dirty="0" smtClean="0"/>
-              <a:t>受信</a:t>
-            </a:r>
-            <a:r>
-              <a:rPr lang="ja-JP" altLang="en-US" dirty="0" smtClean="0"/>
-              <a:t>するとき</a:t>
+              <a:t>受信するとき</a:t>
             </a:r>
             <a:r>
               <a:rPr lang="en-US" altLang="ja-JP" dirty="0" smtClean="0"/>
@@ -17036,48 +16677,28 @@
             <a:pPr lvl="2"/>
             <a:r>
               <a:rPr lang="ja-JP" altLang="en-US" dirty="0" smtClean="0"/>
-              <a:t>まず</a:t>
-            </a:r>
-            <a:r>
-              <a:rPr lang="ja-JP" altLang="en-US" dirty="0" smtClean="0"/>
-              <a:t>スタートピットを検出する</a:t>
+              <a:t>まずスタートピットを検出する</a:t>
             </a:r>
           </a:p>
           <a:p>
             <a:pPr lvl="2"/>
             <a:r>
               <a:rPr lang="ja-JP" altLang="en-US" dirty="0" smtClean="0"/>
-              <a:t>数</a:t>
-            </a:r>
-            <a:r>
-              <a:rPr lang="ja-JP" altLang="en-US" dirty="0" smtClean="0"/>
-              <a:t>クロック待って、まだスタートビットだったらデータを受信開始</a:t>
+              <a:t>数クロック待って、まだスタートビットだったらデータを受信開始</a:t>
             </a:r>
           </a:p>
           <a:p>
             <a:pPr lvl="2"/>
             <a:r>
               <a:rPr lang="ja-JP" altLang="en-US" dirty="0" smtClean="0"/>
-              <a:t>適当</a:t>
-            </a:r>
-            <a:r>
-              <a:rPr lang="ja-JP" altLang="en-US" dirty="0" smtClean="0"/>
-              <a:t>に待ってデータを採取</a:t>
+              <a:t>適当に待ってデータを採取</a:t>
             </a:r>
           </a:p>
           <a:p>
             <a:pPr lvl="2"/>
             <a:r>
               <a:rPr lang="ja-JP" altLang="en-US" dirty="0" smtClean="0"/>
-              <a:t>データ</a:t>
-            </a:r>
-            <a:r>
-              <a:rPr lang="ja-JP" altLang="en-US" dirty="0" smtClean="0"/>
-              <a:t>を取得し終わったら、しばらく</a:t>
-            </a:r>
-            <a:r>
-              <a:rPr lang="ja-JP" altLang="en-US" dirty="0" smtClean="0"/>
-              <a:t>ストップ</a:t>
+              <a:t>データを取得し終わったら、しばらくストップ</a:t>
             </a:r>
             <a:endParaRPr lang="en-US" altLang="ja-JP" dirty="0" smtClean="0"/>
           </a:p>
@@ -17091,15 +16712,7 @@
             </a:r>
             <a:r>
               <a:rPr lang="ja-JP" altLang="en-US" dirty="0" smtClean="0"/>
-              <a:t>ビット</a:t>
-            </a:r>
-            <a:r>
-              <a:rPr lang="ja-JP" altLang="en-US" dirty="0" smtClean="0"/>
-              <a:t>を待って、全てストップビットが</a:t>
-            </a:r>
-            <a:r>
-              <a:rPr lang="ja-JP" altLang="en-US" dirty="0" smtClean="0"/>
-              <a:t>終わる</a:t>
+              <a:t>ビットを待って、全てストップビットが終わる</a:t>
             </a:r>
             <a:endParaRPr lang="en-US" altLang="ja-JP" dirty="0" smtClean="0"/>
           </a:p>
@@ -17113,26 +16726,14 @@
             </a:r>
             <a:r>
               <a:rPr lang="ja-JP" altLang="en-US" dirty="0" smtClean="0"/>
-              <a:t>前</a:t>
-            </a:r>
-            <a:r>
-              <a:rPr lang="ja-JP" altLang="en-US" dirty="0" smtClean="0"/>
-              <a:t>に、最初の状態に戻る</a:t>
+              <a:t>前に、最初の状態に戻る</a:t>
             </a:r>
           </a:p>
           <a:p>
             <a:pPr lvl="3"/>
             <a:r>
               <a:rPr lang="ja-JP" altLang="en-US" dirty="0" smtClean="0"/>
-              <a:t>これ</a:t>
-            </a:r>
-            <a:r>
-              <a:rPr lang="ja-JP" altLang="en-US" dirty="0" smtClean="0"/>
-              <a:t>をしないと、最後に余計な</a:t>
-            </a:r>
-            <a:r>
-              <a:rPr lang="ja-JP" altLang="en-US" dirty="0" smtClean="0"/>
-              <a:t>データ</a:t>
+              <a:t>これをしないと、最後に余計なデータ</a:t>
             </a:r>
             <a:endParaRPr lang="en-US" altLang="ja-JP" dirty="0" smtClean="0"/>
           </a:p>
@@ -17146,19 +16747,7 @@
             </a:r>
             <a:r>
               <a:rPr lang="ja-JP" altLang="en-US" dirty="0" smtClean="0"/>
-              <a:t>を</a:t>
-            </a:r>
-            <a:r>
-              <a:rPr lang="ja-JP" altLang="en-US" dirty="0" smtClean="0"/>
-              <a:t>読んでしまうことが</a:t>
-            </a:r>
-            <a:r>
-              <a:rPr lang="ja-JP" altLang="en-US" dirty="0" smtClean="0"/>
-              <a:t>あ</a:t>
-            </a:r>
-            <a:r>
-              <a:rPr lang="ja-JP" altLang="en-US" dirty="0" smtClean="0"/>
-              <a:t>るわ</a:t>
+              <a:t>を読んでしまうことがあるわ</a:t>
             </a:r>
             <a:endParaRPr lang="en-US" altLang="ja-JP" dirty="0" smtClean="0"/>
           </a:p>
@@ -17242,30 +16831,14 @@
             </a:r>
             <a:r>
               <a:rPr lang="ja-JP" altLang="en-US" dirty="0" smtClean="0"/>
-              <a:t>にかける長さは、受信側で少し本来の値より長く、送信側で少し短くするといい場合が</a:t>
-            </a:r>
-            <a:r>
-              <a:rPr lang="ja-JP" altLang="en-US" dirty="0" smtClean="0"/>
-              <a:t>あ</a:t>
-            </a:r>
-            <a:r>
-              <a:rPr lang="ja-JP" altLang="en-US" dirty="0" smtClean="0"/>
-              <a:t>るわ</a:t>
+              <a:t>にかける長さは、受信側で少し本来の値より長く、送信側で少し短くするといい場合があるわ</a:t>
             </a:r>
           </a:p>
           <a:p>
             <a:pPr lvl="1"/>
             <a:r>
               <a:rPr lang="ja-JP" altLang="en-US" dirty="0" smtClean="0"/>
-              <a:t>一応</a:t>
-            </a:r>
-            <a:r>
-              <a:rPr lang="ja-JP" altLang="en-US" dirty="0" smtClean="0"/>
-              <a:t>、ノイズも想定して、前後数クロックを使用してデータを採取した方が</a:t>
-            </a:r>
-            <a:r>
-              <a:rPr lang="ja-JP" altLang="en-US" dirty="0" smtClean="0"/>
-              <a:t>いいわよ</a:t>
+              <a:t>一応、ノイズも想定して、前後数クロックを使用してデータを採取した方がいいわよ</a:t>
             </a:r>
             <a:endParaRPr kumimoji="1" lang="ja-JP" altLang="en-US" dirty="0"/>
           </a:p>
@@ -17359,34 +16932,14 @@
             </a:r>
             <a:r>
               <a:rPr lang="ja-JP" altLang="en-US" dirty="0" smtClean="0"/>
-              <a:t>のエンディアンがよくわからなくなるので、変なことになったらいろいろと調整して</a:t>
-            </a:r>
-            <a:r>
-              <a:rPr lang="ja-JP" altLang="en-US" dirty="0" smtClean="0"/>
-              <a:t>み</a:t>
-            </a:r>
-            <a:r>
-              <a:rPr lang="ja-JP" altLang="en-US" dirty="0" smtClean="0"/>
-              <a:t>るといいわ</a:t>
+              <a:t>のエンディアンがよくわからなくなるので、変なことになったらいろいろと調整してみるといいわ</a:t>
             </a:r>
           </a:p>
           <a:p>
             <a:pPr lvl="1"/>
             <a:r>
               <a:rPr lang="ja-JP" altLang="en-US" dirty="0" smtClean="0"/>
-              <a:t>基板</a:t>
-            </a:r>
-            <a:r>
-              <a:rPr lang="ja-JP" altLang="en-US" dirty="0" smtClean="0"/>
-              <a:t>に何も書き込んでいない状態では、受信線と送信線が結線しているので、エコー</a:t>
-            </a:r>
-            <a:r>
-              <a:rPr lang="ja-JP" altLang="en-US" dirty="0" smtClean="0"/>
-              <a:t>して</a:t>
-            </a:r>
-            <a:r>
-              <a:rPr lang="ja-JP" altLang="en-US" dirty="0" smtClean="0"/>
-              <a:t>くるわ</a:t>
+              <a:t>基板に何も書き込んでいない状態では、受信線と送信線が結線しているので、エコーしてくるわ</a:t>
             </a:r>
             <a:endParaRPr lang="en-US" altLang="ja-JP" dirty="0" smtClean="0"/>
           </a:p>
@@ -17400,11 +16953,7 @@
             </a:r>
             <a:r>
               <a:rPr lang="ja-JP" altLang="en-US" dirty="0" smtClean="0"/>
-              <a:t>これ</a:t>
-            </a:r>
-            <a:r>
-              <a:rPr lang="ja-JP" altLang="en-US" dirty="0" smtClean="0"/>
-              <a:t>でそもそも</a:t>
+              <a:t>これでそもそも</a:t>
             </a:r>
             <a:r>
               <a:rPr lang="en-US" altLang="ja-JP" dirty="0" smtClean="0"/>
@@ -17412,13 +16961,8 @@
             </a:r>
             <a:r>
               <a:rPr lang="ja-JP" altLang="en-US" dirty="0" smtClean="0"/>
-              <a:t>側のシリアルポートがその速さで生きているか実験する</a:t>
-            </a:r>
-            <a:r>
-              <a:rPr lang="ja-JP" altLang="en-US" dirty="0" smtClean="0"/>
-              <a:t>といいと思うわよ</a:t>
-            </a:r>
-            <a:endParaRPr lang="ja-JP" altLang="en-US" dirty="0" smtClean="0"/>
+              <a:t>側のシリアルポートがその速さで生きているか実験するといいと思うわよ</a:t>
+            </a:r>
           </a:p>
           <a:p>
             <a:endParaRPr kumimoji="1" lang="ja-JP" altLang="en-US" dirty="0"/>
@@ -17558,11 +17102,7 @@
             </a:r>
             <a:r>
               <a:rPr lang="ja-JP" altLang="en-US" dirty="0" smtClean="0"/>
-              <a:t>を</a:t>
-            </a:r>
-            <a:r>
-              <a:rPr lang="ja-JP" altLang="en-US" dirty="0" smtClean="0"/>
-              <a:t>動かす</a:t>
+              <a:t>を動かす</a:t>
             </a:r>
             <a:endParaRPr lang="en-US" altLang="ja-JP" dirty="0" smtClean="0"/>
           </a:p>
@@ -17578,11 +17118,7 @@
             </a:pPr>
             <a:r>
               <a:rPr lang="ja-JP" altLang="en-US" dirty="0" smtClean="0"/>
-              <a:t>・・</a:t>
-            </a:r>
-            <a:r>
-              <a:rPr lang="ja-JP" altLang="en-US" dirty="0" smtClean="0"/>
-              <a:t>・本当かしら</a:t>
+              <a:t>・・・本当かしら</a:t>
             </a:r>
             <a:r>
               <a:rPr lang="en-US" altLang="ja-JP" dirty="0" smtClean="0"/>
@@ -17596,7 +17132,6 @@
               <a:rPr lang="en-US" altLang="ja-JP" dirty="0" smtClean="0"/>
               <a:t>)</a:t>
             </a:r>
-            <a:endParaRPr lang="en-US" altLang="ja-JP" dirty="0" smtClean="0"/>
           </a:p>
         </p:txBody>
       </p:sp>
@@ -17684,11 +17219,7 @@
             </a:r>
             <a:r>
               <a:rPr lang="ja-JP" altLang="en-US" dirty="0" smtClean="0"/>
-              <a:t>チップの</a:t>
-            </a:r>
-            <a:r>
-              <a:rPr lang="ja-JP" altLang="en-US" dirty="0" smtClean="0"/>
-              <a:t>概要</a:t>
+              <a:t>チップの概要</a:t>
             </a:r>
             <a:endParaRPr lang="en-US" altLang="ja-JP" dirty="0" smtClean="0"/>
           </a:p>
@@ -17700,11 +17231,7 @@
             </a:r>
             <a:r>
               <a:rPr lang="ja-JP" altLang="en-US" dirty="0" smtClean="0"/>
-              <a:t>という</a:t>
-            </a:r>
-            <a:r>
-              <a:rPr lang="ja-JP" altLang="en-US" dirty="0" smtClean="0"/>
-              <a:t>チップ</a:t>
+              <a:t>というチップ</a:t>
             </a:r>
             <a:endParaRPr lang="en-US" altLang="ja-JP" dirty="0" smtClean="0"/>
           </a:p>
@@ -17712,41 +17239,21 @@
             <a:pPr lvl="1"/>
             <a:r>
               <a:rPr lang="ja-JP" altLang="en-US" dirty="0" smtClean="0"/>
-              <a:t>基本的</a:t>
-            </a:r>
-            <a:r>
-              <a:rPr lang="ja-JP" altLang="en-US" dirty="0" smtClean="0"/>
-              <a:t>な使い方は旧基板と</a:t>
-            </a:r>
-            <a:r>
-              <a:rPr lang="ja-JP" altLang="en-US" dirty="0" smtClean="0"/>
-              <a:t>同じ</a:t>
-            </a:r>
-            <a:r>
-              <a:rPr lang="ja-JP" altLang="en-US" dirty="0" smtClean="0"/>
-              <a:t>よ</a:t>
+              <a:t>基本的な使い方は旧基板と同じよ</a:t>
             </a:r>
           </a:p>
           <a:p>
             <a:pPr lvl="2"/>
             <a:r>
               <a:rPr lang="ja-JP" altLang="en-US" dirty="0" smtClean="0"/>
-              <a:t>制御</a:t>
-            </a:r>
-            <a:r>
-              <a:rPr lang="ja-JP" altLang="en-US" dirty="0" smtClean="0"/>
-              <a:t>線に、常時使えるように信号を流して、</a:t>
+              <a:t>制御線に、常時使えるように信号を流して、</a:t>
             </a:r>
           </a:p>
           <a:p>
             <a:pPr lvl="2"/>
             <a:r>
               <a:rPr lang="ja-JP" altLang="en-US" dirty="0" smtClean="0"/>
-              <a:t>決められた</a:t>
-            </a:r>
-            <a:r>
-              <a:rPr lang="ja-JP" altLang="en-US" dirty="0" smtClean="0"/>
-              <a:t>周波数以下のクロックを流し込む</a:t>
+              <a:t>決められた周波数以下のクロックを流し込む</a:t>
             </a:r>
           </a:p>
           <a:p>
@@ -17764,17 +17271,8 @@
             <a:pPr lvl="2"/>
             <a:r>
               <a:rPr lang="ja-JP" altLang="en-US" dirty="0" smtClean="0"/>
-              <a:t>決められた</a:t>
-            </a:r>
-            <a:r>
-              <a:rPr lang="ja-JP" altLang="en-US" dirty="0" smtClean="0"/>
-              <a:t>クロック後にバスに読み書きを</a:t>
-            </a:r>
-            <a:r>
-              <a:rPr lang="ja-JP" altLang="en-US" dirty="0" smtClean="0"/>
-              <a:t>する</a:t>
-            </a:r>
-            <a:endParaRPr lang="ja-JP" altLang="en-US" dirty="0" smtClean="0"/>
+              <a:t>決められたクロック後にバスに読み書きをする</a:t>
+            </a:r>
           </a:p>
           <a:p>
             <a:pPr lvl="1"/>
@@ -17792,11 +17290,7 @@
             </a:r>
             <a:r>
               <a:rPr lang="ja-JP" altLang="en-US" dirty="0" smtClean="0"/>
-              <a:t>つ独立に存在しているけど</a:t>
-            </a:r>
-            <a:r>
-              <a:rPr lang="ja-JP" altLang="en-US" dirty="0" smtClean="0"/>
-              <a:t>、</a:t>
+              <a:t>つ独立に存在しているけど、</a:t>
             </a:r>
             <a:endParaRPr lang="en-US" altLang="ja-JP" dirty="0" smtClean="0"/>
           </a:p>
@@ -17806,19 +17300,11 @@
             </a:pPr>
             <a:r>
               <a:rPr lang="en-US" altLang="ja-JP" dirty="0" smtClean="0"/>
-              <a:t>	</a:t>
-            </a:r>
-            <a:r>
-              <a:rPr lang="en-US" altLang="ja-JP" dirty="0" smtClean="0"/>
-              <a:t>read/write</a:t>
-            </a:r>
-            <a:r>
-              <a:rPr lang="ja-JP" altLang="en-US" dirty="0" smtClean="0"/>
-              <a:t>を制御する線が基板上で同じ線</a:t>
-            </a:r>
-            <a:r>
-              <a:rPr lang="ja-JP" altLang="en-US" dirty="0" smtClean="0"/>
-              <a:t>に</a:t>
+              <a:t>	read/write</a:t>
+            </a:r>
+            <a:r>
+              <a:rPr lang="ja-JP" altLang="en-US" dirty="0" smtClean="0"/>
+              <a:t>を制御する線が基板上で同じ線に</a:t>
             </a:r>
             <a:endParaRPr lang="en-US" altLang="ja-JP" dirty="0" smtClean="0"/>
           </a:p>
@@ -17832,11 +17318,7 @@
             </a:r>
             <a:r>
               <a:rPr lang="ja-JP" altLang="en-US" dirty="0" smtClean="0"/>
-              <a:t>なって</a:t>
-            </a:r>
-            <a:r>
-              <a:rPr lang="ja-JP" altLang="en-US" dirty="0" smtClean="0"/>
-              <a:t>いるから、別々に</a:t>
+              <a:t>なっているから、別々に</a:t>
             </a:r>
             <a:r>
               <a:rPr lang="ja-JP" altLang="en-US" dirty="0" err="1" smtClean="0"/>
@@ -17844,11 +17326,7 @@
             </a:r>
             <a:r>
               <a:rPr lang="ja-JP" altLang="en-US" dirty="0" smtClean="0"/>
-              <a:t>はやめた方</a:t>
-            </a:r>
-            <a:r>
-              <a:rPr lang="ja-JP" altLang="en-US" dirty="0" smtClean="0"/>
-              <a:t>が</a:t>
+              <a:t>はやめた方が</a:t>
             </a:r>
             <a:endParaRPr lang="en-US" altLang="ja-JP" dirty="0" smtClean="0"/>
           </a:p>
@@ -17951,7 +17429,6 @@
               <a:rPr lang="ja-JP" altLang="en-US" dirty="0" smtClean="0"/>
               <a:t>モード</a:t>
             </a:r>
-            <a:endParaRPr lang="ja-JP" altLang="en-US" dirty="0" smtClean="0"/>
           </a:p>
           <a:p>
             <a:pPr lvl="1"/>
@@ -17987,11 +17464,7 @@
             <a:pPr lvl="2"/>
             <a:r>
               <a:rPr lang="en-US" altLang="ja-JP" dirty="0" smtClean="0"/>
-              <a:t>Flow </a:t>
-            </a:r>
-            <a:r>
-              <a:rPr lang="en-US" altLang="ja-JP" dirty="0" smtClean="0"/>
-              <a:t>Through(FT)</a:t>
+              <a:t>Flow Through(FT)</a:t>
             </a:r>
             <a:r>
               <a:rPr lang="ja-JP" altLang="en-US" dirty="0" smtClean="0"/>
@@ -18018,11 +17491,7 @@
             <a:pPr lvl="2"/>
             <a:r>
               <a:rPr lang="ja-JP" altLang="en-US" dirty="0" smtClean="0"/>
-              <a:t>クロック</a:t>
-            </a:r>
-            <a:r>
-              <a:rPr lang="ja-JP" altLang="en-US" dirty="0" smtClean="0"/>
-              <a:t>に</a:t>
+              <a:t>クロックに</a:t>
             </a:r>
             <a:r>
               <a:rPr lang="en-US" altLang="ja-JP" dirty="0" smtClean="0"/>
@@ -18036,7 +17505,6 @@
               <a:rPr lang="ja-JP" altLang="en-US" dirty="0" smtClean="0"/>
               <a:t>入れられるけど、</a:t>
             </a:r>
-            <a:endParaRPr lang="ja-JP" altLang="en-US" dirty="0" smtClean="0"/>
           </a:p>
           <a:p>
             <a:pPr lvl="2">
@@ -18048,11 +17516,7 @@
             </a:r>
             <a:r>
               <a:rPr lang="ja-JP" altLang="en-US" dirty="0" smtClean="0"/>
-              <a:t>読み出し</a:t>
-            </a:r>
-            <a:r>
-              <a:rPr lang="ja-JP" altLang="en-US" dirty="0" smtClean="0"/>
-              <a:t>・書き出しサイクルが</a:t>
+              <a:t>読み出し・書き出しサイクルが</a:t>
             </a:r>
             <a:r>
               <a:rPr lang="en-US" altLang="ja-JP" dirty="0" smtClean="0"/>
@@ -18067,15 +17531,7 @@
             <a:pPr lvl="2"/>
             <a:r>
               <a:rPr lang="ja-JP" altLang="en-US" dirty="0" smtClean="0"/>
-              <a:t>つまり</a:t>
-            </a:r>
-            <a:r>
-              <a:rPr lang="ja-JP" altLang="en-US" dirty="0" smtClean="0"/>
-              <a:t>、全体のクロックが速いけど</a:t>
-            </a:r>
-            <a:r>
-              <a:rPr lang="ja-JP" altLang="en-US" dirty="0" smtClean="0"/>
-              <a:t>、</a:t>
+              <a:t>つまり、全体のクロックが速いけど、</a:t>
             </a:r>
             <a:endParaRPr lang="en-US" altLang="ja-JP" dirty="0" smtClean="0"/>
           </a:p>
@@ -18089,11 +17545,7 @@
             </a:r>
             <a:r>
               <a:rPr lang="ja-JP" altLang="en-US" dirty="0" smtClean="0"/>
-              <a:t>キャッシュミス</a:t>
-            </a:r>
-            <a:r>
-              <a:rPr lang="ja-JP" altLang="en-US" dirty="0" smtClean="0"/>
-              <a:t>のダメージが</a:t>
+              <a:t>キャッシュミスのダメージが</a:t>
             </a:r>
             <a:r>
               <a:rPr lang="en-US" altLang="ja-JP" dirty="0" smtClean="0"/>
@@ -18101,11 +17553,7 @@
             </a:r>
             <a:r>
               <a:rPr lang="ja-JP" altLang="en-US" dirty="0" smtClean="0"/>
-              <a:t>クロック</a:t>
-            </a:r>
-            <a:r>
-              <a:rPr lang="ja-JP" altLang="en-US" dirty="0" smtClean="0"/>
-              <a:t>よ</a:t>
+              <a:t>クロックよ</a:t>
             </a:r>
             <a:endParaRPr kumimoji="1" lang="ja-JP" altLang="en-US" dirty="0"/>
           </a:p>
@@ -18196,11 +17644,7 @@
             <a:pPr lvl="2"/>
             <a:r>
               <a:rPr lang="ja-JP" altLang="en-US" dirty="0" smtClean="0"/>
-              <a:t>クロック</a:t>
-            </a:r>
-            <a:r>
-              <a:rPr lang="ja-JP" altLang="en-US" dirty="0" smtClean="0"/>
-              <a:t>に</a:t>
+              <a:t>クロックに</a:t>
             </a:r>
             <a:r>
               <a:rPr lang="en-US" altLang="ja-JP" dirty="0" smtClean="0"/>
@@ -18208,13 +17652,8 @@
             </a:r>
             <a:r>
               <a:rPr lang="ja-JP" altLang="en-US" dirty="0" smtClean="0"/>
-              <a:t>までしか</a:t>
-            </a:r>
-            <a:r>
-              <a:rPr lang="ja-JP" altLang="en-US" dirty="0" smtClean="0"/>
-              <a:t>入れられないけど、</a:t>
-            </a:r>
-            <a:endParaRPr lang="ja-JP" altLang="en-US" dirty="0" smtClean="0"/>
+              <a:t>までしか入れられないけど、</a:t>
+            </a:r>
           </a:p>
           <a:p>
             <a:pPr lvl="2">
@@ -18226,11 +17665,7 @@
             </a:r>
             <a:r>
               <a:rPr lang="ja-JP" altLang="en-US" dirty="0" smtClean="0"/>
-              <a:t>読み出し</a:t>
-            </a:r>
-            <a:r>
-              <a:rPr lang="ja-JP" altLang="en-US" dirty="0" smtClean="0"/>
-              <a:t>・書き出しサイクルが</a:t>
+              <a:t>読み出し・書き出しサイクルが</a:t>
             </a:r>
             <a:r>
               <a:rPr lang="en-US" altLang="ja-JP" dirty="0" smtClean="0"/>
@@ -18245,11 +17680,7 @@
             <a:pPr lvl="2"/>
             <a:r>
               <a:rPr lang="ja-JP" altLang="en-US" dirty="0" smtClean="0"/>
-              <a:t>つまり</a:t>
-            </a:r>
-            <a:r>
-              <a:rPr lang="ja-JP" altLang="en-US" dirty="0" smtClean="0"/>
-              <a:t>、キャッシュミスのダメージが</a:t>
+              <a:t>つまり、キャッシュミスのダメージが</a:t>
             </a:r>
             <a:r>
               <a:rPr lang="en-US" altLang="ja-JP" dirty="0" smtClean="0"/>
@@ -18257,11 +17688,7 @@
             </a:r>
             <a:r>
               <a:rPr lang="ja-JP" altLang="en-US" dirty="0" smtClean="0"/>
-              <a:t>クロック</a:t>
-            </a:r>
-            <a:r>
-              <a:rPr lang="ja-JP" altLang="en-US" dirty="0" smtClean="0"/>
-              <a:t>だけ</a:t>
+              <a:t>クロックだけ</a:t>
             </a:r>
             <a:endParaRPr lang="en-US" altLang="ja-JP" dirty="0" smtClean="0"/>
           </a:p>
@@ -18275,19 +17702,7 @@
             </a:r>
             <a:r>
               <a:rPr lang="ja-JP" altLang="en-US" dirty="0" smtClean="0"/>
-              <a:t>だけど</a:t>
-            </a:r>
-            <a:r>
-              <a:rPr lang="ja-JP" altLang="en-US" dirty="0" smtClean="0"/>
-              <a:t>、全体のクロックが</a:t>
-            </a:r>
-            <a:r>
-              <a:rPr lang="ja-JP" altLang="en-US" dirty="0" smtClean="0"/>
-              <a:t>遅い</a:t>
-            </a:r>
-            <a:r>
-              <a:rPr lang="ja-JP" altLang="en-US" dirty="0" smtClean="0"/>
-              <a:t>わ</a:t>
+              <a:t>だけど、全体のクロックが遅いわ</a:t>
             </a:r>
             <a:endParaRPr kumimoji="1" lang="ja-JP" altLang="en-US" dirty="0"/>
           </a:p>
@@ -18570,30 +17985,7 @@
                   </a:outerShdw>
                 </a:effectLst>
               </a:rPr>
-              <a:t>これ</a:t>
-            </a:r>
-            <a:r>
-              <a:rPr lang="ja-JP" altLang="en-US" sz="5400" b="1" dirty="0" smtClean="0">
-                <a:ln w="12700">
-                  <a:solidFill>
-                    <a:schemeClr val="tx2">
-                      <a:satMod val="155000"/>
-                    </a:schemeClr>
-                  </a:solidFill>
-                  <a:prstDash val="solid"/>
-                </a:ln>
-                <a:solidFill>
-                  <a:srgbClr val="C00000"/>
-                </a:solidFill>
-                <a:effectLst>
-                  <a:outerShdw blurRad="41275" dist="20320" dir="1800000" algn="tl" rotWithShape="0">
-                    <a:srgbClr val="000000">
-                      <a:alpha val="40000"/>
-                    </a:srgbClr>
-                  </a:outerShdw>
-                </a:effectLst>
-              </a:rPr>
-              <a:t>だと動かないわ</a:t>
+              <a:t>これだと動かないわ</a:t>
             </a:r>
             <a:endParaRPr lang="ja-JP" altLang="en-US" sz="5400" b="1" cap="none" spc="0" dirty="0">
               <a:ln w="12700">
@@ -18867,31 +18259,14 @@
             </a:r>
             <a:r>
               <a:rPr lang="ja-JP" altLang="en-US" dirty="0" smtClean="0"/>
-              <a:t>時に、バスから出てくるデータが遅れてくることが</a:t>
-            </a:r>
-            <a:r>
-              <a:rPr lang="ja-JP" altLang="en-US" dirty="0" smtClean="0"/>
-              <a:t>あるわ</a:t>
-            </a:r>
-            <a:endParaRPr lang="ja-JP" altLang="en-US" dirty="0" smtClean="0"/>
+              <a:t>時に、バスから出てくるデータが遅れてくることがあるわ</a:t>
+            </a:r>
           </a:p>
           <a:p>
             <a:pPr lvl="1"/>
             <a:r>
               <a:rPr lang="ja-JP" altLang="en-US" dirty="0" smtClean="0"/>
-              <a:t>そこ</a:t>
-            </a:r>
-            <a:r>
-              <a:rPr lang="ja-JP" altLang="en-US" dirty="0" smtClean="0"/>
-              <a:t>で、バスから出ている信号は、その後もしばらく出続けていることを利用</a:t>
-            </a:r>
-            <a:r>
-              <a:rPr lang="ja-JP" altLang="en-US" dirty="0" smtClean="0"/>
-              <a:t>する</a:t>
-            </a:r>
-            <a:r>
-              <a:rPr lang="ja-JP" altLang="en-US" dirty="0" smtClean="0"/>
-              <a:t>のよ</a:t>
+              <a:t>そこで、バスから出ている信号は、その後もしばらく出続けていることを利用するのよ</a:t>
             </a:r>
             <a:endParaRPr kumimoji="1" lang="ja-JP" altLang="en-US" dirty="0"/>
           </a:p>
@@ -18988,11 +18363,7 @@
             <a:pPr lvl="1"/>
             <a:r>
               <a:rPr lang="ja-JP" altLang="en-US" dirty="0" smtClean="0"/>
-              <a:t>基本的</a:t>
-            </a:r>
-            <a:r>
-              <a:rPr lang="ja-JP" altLang="en-US" dirty="0" smtClean="0"/>
-              <a:t>に、外部から伸びている</a:t>
+              <a:t>基本的に、外部から伸びている</a:t>
             </a:r>
             <a:r>
               <a:rPr lang="en-US" altLang="ja-JP" dirty="0" err="1" smtClean="0"/>
@@ -19000,38 +18371,21 @@
             </a:r>
             <a:r>
               <a:rPr lang="ja-JP" altLang="en-US" dirty="0" smtClean="0"/>
-              <a:t>を使うときは、ラッチを</a:t>
-            </a:r>
-            <a:r>
-              <a:rPr lang="ja-JP" altLang="en-US" dirty="0" smtClean="0"/>
-              <a:t>挟むといいわ</a:t>
-            </a:r>
-            <a:endParaRPr lang="ja-JP" altLang="en-US" dirty="0" smtClean="0"/>
+              <a:t>を使うときは、ラッチを挟むといいわ</a:t>
+            </a:r>
           </a:p>
           <a:p>
             <a:pPr lvl="2"/>
             <a:r>
               <a:rPr lang="ja-JP" altLang="en-US" dirty="0" smtClean="0"/>
-              <a:t>遅く</a:t>
-            </a:r>
-            <a:r>
-              <a:rPr lang="ja-JP" altLang="en-US" dirty="0" smtClean="0"/>
-              <a:t>なるが、挟まないと不安定になることがある</a:t>
+              <a:t>遅くなるが、挟まないと不安定になることがある</a:t>
             </a:r>
           </a:p>
           <a:p>
             <a:pPr lvl="2"/>
             <a:r>
               <a:rPr lang="ja-JP" altLang="en-US" dirty="0" smtClean="0"/>
-              <a:t>逆位相</a:t>
-            </a:r>
-            <a:r>
-              <a:rPr lang="ja-JP" altLang="en-US" dirty="0" smtClean="0"/>
-              <a:t>を使うのが</a:t>
-            </a:r>
-            <a:r>
-              <a:rPr lang="ja-JP" altLang="en-US" dirty="0" smtClean="0"/>
-              <a:t>お勧めよ（次図）</a:t>
+              <a:t>逆位相を使うのがお勧めよ（次図）</a:t>
             </a:r>
             <a:endParaRPr kumimoji="1" lang="ja-JP" altLang="en-US" dirty="0"/>
           </a:p>
@@ -19196,39 +18550,14 @@
             <a:pPr lvl="1"/>
             <a:r>
               <a:rPr lang="ja-JP" altLang="en-US" dirty="0" smtClean="0"/>
-              <a:t>じゃあ</a:t>
-            </a:r>
-            <a:r>
-              <a:rPr lang="ja-JP" altLang="en-US" dirty="0" smtClean="0"/>
-              <a:t>逆位相</a:t>
-            </a:r>
-            <a:r>
-              <a:rPr lang="ja-JP" altLang="en-US" dirty="0" smtClean="0"/>
-              <a:t>を利用するには具体的にどうすれば</a:t>
-            </a:r>
-            <a:r>
-              <a:rPr lang="ja-JP" altLang="en-US" dirty="0" smtClean="0"/>
-              <a:t>いい</a:t>
-            </a:r>
-            <a:r>
-              <a:rPr lang="ja-JP" altLang="en-US" dirty="0" smtClean="0"/>
-              <a:t>の</a:t>
-            </a:r>
-            <a:r>
-              <a:rPr lang="ja-JP" altLang="en-US" dirty="0" smtClean="0"/>
-              <a:t>かしら？</a:t>
-            </a:r>
-            <a:endParaRPr lang="ja-JP" altLang="en-US" dirty="0" smtClean="0"/>
+              <a:t>じゃあ逆位相を利用するには具体的にどうすればいいのかしら？</a:t>
+            </a:r>
           </a:p>
           <a:p>
             <a:pPr lvl="2"/>
             <a:r>
               <a:rPr lang="ja-JP" altLang="en-US" dirty="0" smtClean="0"/>
-              <a:t>逆位相</a:t>
-            </a:r>
-            <a:r>
-              <a:rPr lang="ja-JP" altLang="en-US" dirty="0" smtClean="0"/>
-              <a:t>を使っていないソースを書いて、</a:t>
+              <a:t>逆位相を使っていないソースを書いて、</a:t>
             </a:r>
             <a:r>
               <a:rPr lang="en-US" altLang="ja-JP" dirty="0" smtClean="0"/>
@@ -19372,11 +18701,7 @@
             </a:pPr>
             <a:r>
               <a:rPr kumimoji="1" lang="ja-JP" altLang="en-US" dirty="0" smtClean="0"/>
-              <a:t>ちょ</a:t>
-            </a:r>
-            <a:r>
-              <a:rPr kumimoji="1" lang="ja-JP" altLang="en-US" dirty="0" smtClean="0"/>
-              <a:t>、ちょっと、勘違いしないでよ？</a:t>
+              <a:t>ちょ、ちょっと、勘違いしないでよ？</a:t>
             </a:r>
             <a:endParaRPr kumimoji="1" lang="en-US" altLang="ja-JP" dirty="0" smtClean="0"/>
           </a:p>
@@ -19400,15 +18725,7 @@
             </a:r>
             <a:r>
               <a:rPr kumimoji="1" lang="ja-JP" altLang="en-US" dirty="0" smtClean="0"/>
-              <a:t>解説</a:t>
-            </a:r>
-            <a:r>
-              <a:rPr kumimoji="1" lang="ja-JP" altLang="en-US" dirty="0" smtClean="0"/>
-              <a:t>するわけじゃないわよ</a:t>
-            </a:r>
-            <a:r>
-              <a:rPr kumimoji="1" lang="ja-JP" altLang="en-US" dirty="0" smtClean="0"/>
-              <a:t>！</a:t>
+              <a:t>解説するわけじゃないわよ！</a:t>
             </a:r>
             <a:r>
               <a:rPr kumimoji="1" lang="en-US" altLang="ja-JP" dirty="0" smtClean="0"/>
@@ -19530,15 +18847,7 @@
             </a:r>
             <a:r>
               <a:rPr lang="ja-JP" altLang="en-US" dirty="0" smtClean="0"/>
-              <a:t>するときに一緒に入れた情報を出力してやると、後の処理が書きやすく</a:t>
-            </a:r>
-            <a:r>
-              <a:rPr lang="ja-JP" altLang="en-US" dirty="0" smtClean="0"/>
-              <a:t>なる</a:t>
-            </a:r>
-            <a:r>
-              <a:rPr lang="ja-JP" altLang="en-US" dirty="0" smtClean="0"/>
-              <a:t>わ</a:t>
+              <a:t>するときに一緒に入れた情報を出力してやると、後の処理が書きやすくなるわ</a:t>
             </a:r>
             <a:endParaRPr kumimoji="1" lang="ja-JP" altLang="en-US" dirty="0"/>
           </a:p>
@@ -19674,11 +18983,11 @@
           <a:p>
             <a:r>
               <a:rPr kumimoji="1" lang="ja-JP" altLang="en-US" dirty="0" smtClean="0"/>
-              <a:t>今週までの進捗 </a:t>
-            </a:r>
-            <a:r>
-              <a:rPr kumimoji="1" lang="en-US" altLang="ja-JP" dirty="0" smtClean="0"/>
-              <a:t>(1)</a:t>
+              <a:t>今週までの</a:t>
+            </a:r>
+            <a:r>
+              <a:rPr kumimoji="1" lang="ja-JP" altLang="en-US" dirty="0" smtClean="0"/>
+              <a:t>進捗</a:t>
             </a:r>
             <a:endParaRPr kumimoji="1" lang="ja-JP" altLang="en-US" dirty="0"/>
           </a:p>
@@ -19720,31 +19029,74 @@
           </a:p>
           <a:p>
             <a:r>
-              <a:rPr kumimoji="1" lang="en-US" altLang="ja-JP" dirty="0" smtClean="0"/>
+              <a:rPr lang="en-US" altLang="ja-JP" dirty="0" smtClean="0"/>
               <a:t>CPU</a:t>
             </a:r>
-            <a:endParaRPr kumimoji="1" lang="en-US" altLang="ja-JP" dirty="0" smtClean="0"/>
           </a:p>
           <a:p>
             <a:pPr lvl="1"/>
             <a:r>
-              <a:rPr kumimoji="1" lang="ja-JP" altLang="en-US" dirty="0" err="1" smtClean="0"/>
-              <a:t>ほげ</a:t>
-            </a:r>
-            <a:endParaRPr kumimoji="1" lang="en-US" altLang="ja-JP" dirty="0" smtClean="0"/>
-          </a:p>
-          <a:p>
-            <a:r>
-              <a:rPr kumimoji="1" lang="ja-JP" altLang="en-US" dirty="0" smtClean="0"/>
+              <a:rPr lang="ja-JP" altLang="en-US" dirty="0" smtClean="0"/>
+              <a:t>再帰</a:t>
+            </a:r>
+            <a:r>
+              <a:rPr lang="en-US" altLang="ja-JP" dirty="0" smtClean="0"/>
+              <a:t>fib</a:t>
+            </a:r>
+            <a:r>
+              <a:rPr lang="ja-JP" altLang="en-US" dirty="0" smtClean="0"/>
+              <a:t>が動作</a:t>
+            </a:r>
+            <a:r>
+              <a:rPr lang="en-US" altLang="ja-JP" dirty="0" smtClean="0"/>
+              <a:t>,IO(USB)</a:t>
+            </a:r>
+            <a:r>
+              <a:rPr lang="ja-JP" altLang="en-US" dirty="0" smtClean="0"/>
+              <a:t>が使用できた</a:t>
+            </a:r>
+            <a:r>
+              <a:rPr lang="ja-JP" altLang="en-US" dirty="0" smtClean="0"/>
+              <a:t>。</a:t>
+            </a:r>
+            <a:endParaRPr lang="en-US" altLang="ja-JP" dirty="0" smtClean="0"/>
+          </a:p>
+          <a:p>
+            <a:r>
+              <a:rPr lang="ja-JP" altLang="en-US" dirty="0" smtClean="0"/>
               <a:t>コンパイラ</a:t>
             </a:r>
-            <a:endParaRPr kumimoji="1" lang="en-US" altLang="ja-JP" dirty="0" smtClean="0"/>
+            <a:endParaRPr lang="en-US" altLang="ja-JP" dirty="0" smtClean="0"/>
           </a:p>
           <a:p>
             <a:pPr lvl="1"/>
             <a:r>
               <a:rPr lang="ja-JP" altLang="en-US" dirty="0" smtClean="0"/>
-              <a:t>ふが</a:t>
+              <a:t>いっぱい最適化した。</a:t>
+            </a:r>
+            <a:r>
+              <a:rPr lang="en-US" altLang="ja-JP" dirty="0" smtClean="0"/>
+              <a:t>2</a:t>
+            </a:r>
+            <a:r>
+              <a:rPr lang="ja-JP" altLang="en-US" dirty="0" smtClean="0"/>
+              <a:t>億命令くらい</a:t>
+            </a:r>
+            <a:r>
+              <a:rPr lang="en-US" altLang="ja-JP" dirty="0" smtClean="0"/>
+              <a:t>(</a:t>
+            </a:r>
+            <a:r>
+              <a:rPr lang="ja-JP" altLang="en-US" dirty="0" smtClean="0"/>
+              <a:t>になった</a:t>
+            </a:r>
+            <a:r>
+              <a:rPr lang="en-US" altLang="ja-JP" dirty="0" smtClean="0"/>
+              <a:t>)</a:t>
+            </a:r>
+            <a:r>
+              <a:rPr lang="ja-JP" altLang="en-US" dirty="0" err="1" smtClean="0"/>
+              <a:t>。</a:t>
             </a:r>
             <a:endParaRPr lang="en-US" altLang="ja-JP" dirty="0" smtClean="0"/>
           </a:p>
@@ -19785,8 +19137,12 @@
           <a:p>
             <a:pPr lvl="1"/>
             <a:r>
-              <a:rPr lang="ja-JP" altLang="en-US" dirty="0" err="1" smtClean="0"/>
-              <a:t>ぴよ</a:t>
+              <a:rPr lang="en-US" altLang="ja-JP" dirty="0" smtClean="0"/>
+              <a:t>SRAM</a:t>
+            </a:r>
+            <a:r>
+              <a:rPr lang="ja-JP" altLang="en-US" dirty="0" smtClean="0"/>
+              <a:t>が動いた。極めた。</a:t>
             </a:r>
             <a:endParaRPr lang="en-US" altLang="ja-JP" dirty="0" smtClean="0"/>
           </a:p>
@@ -19841,11 +19197,7 @@
           <a:p>
             <a:r>
               <a:rPr kumimoji="1" lang="ja-JP" altLang="en-US" dirty="0" smtClean="0"/>
-              <a:t>今週までの進捗 </a:t>
-            </a:r>
-            <a:r>
-              <a:rPr lang="en-US" altLang="ja-JP" dirty="0" smtClean="0"/>
-              <a:t>(2)</a:t>
+              <a:t>来週までの予定</a:t>
             </a:r>
             <a:endParaRPr kumimoji="1" lang="ja-JP" altLang="en-US" dirty="0"/>
           </a:p>
@@ -19867,287 +19219,7 @@
           <a:lstStyle/>
           <a:p>
             <a:r>
-              <a:rPr kumimoji="1" lang="en-US" altLang="ja-JP" dirty="0" err="1" smtClean="0"/>
-              <a:t>Scala</a:t>
-            </a:r>
-            <a:r>
-              <a:rPr kumimoji="1" lang="en-US" altLang="ja-JP" dirty="0" smtClean="0"/>
-              <a:t> </a:t>
-            </a:r>
-            <a:r>
-              <a:rPr kumimoji="1" lang="ja-JP" altLang="en-US" dirty="0" smtClean="0"/>
-              <a:t>たんで書いてみた</a:t>
-            </a:r>
-            <a:r>
-              <a:rPr kumimoji="1" lang="ja-JP" altLang="en-US" dirty="0" err="1" smtClean="0"/>
-              <a:t>お</a:t>
-            </a:r>
-            <a:r>
-              <a:rPr kumimoji="1" lang="ja-JP" altLang="en-US" dirty="0" smtClean="0"/>
-              <a:t>！</a:t>
-            </a:r>
-            <a:endParaRPr lang="en-US" altLang="ja-JP" dirty="0" smtClean="0"/>
-          </a:p>
-          <a:p>
-            <a:pPr lvl="1"/>
-            <a:r>
-              <a:rPr kumimoji="1" lang="ja-JP" altLang="en-US" dirty="0" smtClean="0"/>
-              <a:t>パズルゲームのソルバーです </a:t>
-            </a:r>
-            <a:r>
               <a:rPr lang="en-US" altLang="ja-JP" dirty="0" smtClean="0"/>
-              <a:t>(</a:t>
-            </a:r>
-            <a:r>
-              <a:rPr lang="en-US" altLang="ja-JP" dirty="0" err="1" smtClean="0"/>
-              <a:t>iwi</a:t>
-            </a:r>
-            <a:r>
-              <a:rPr lang="en-US" altLang="ja-JP" dirty="0" smtClean="0"/>
-              <a:t>)</a:t>
-            </a:r>
-            <a:endParaRPr kumimoji="1" lang="en-US" altLang="ja-JP" dirty="0" smtClean="0"/>
-          </a:p>
-          <a:p>
-            <a:r>
-              <a:rPr kumimoji="1" lang="ja-JP" altLang="en-US" dirty="0" smtClean="0"/>
-              <a:t>駒場祭お疲れ様でした</a:t>
-            </a:r>
-            <a:r>
-              <a:rPr kumimoji="1" lang="ja-JP" altLang="en-US" dirty="0" err="1" smtClean="0"/>
-              <a:t>お</a:t>
-            </a:r>
-            <a:r>
-              <a:rPr kumimoji="1" lang="ja-JP" altLang="en-US" dirty="0" smtClean="0"/>
-              <a:t>！</a:t>
-            </a:r>
-            <a:endParaRPr kumimoji="1" lang="en-US" altLang="ja-JP" dirty="0" smtClean="0"/>
-          </a:p>
-          <a:p>
-            <a:r>
-              <a:rPr kumimoji="1" lang="ja-JP" altLang="en-US" dirty="0" smtClean="0"/>
-              <a:t>スライドのテンプレつくった</a:t>
-            </a:r>
-            <a:r>
-              <a:rPr kumimoji="1" lang="ja-JP" altLang="en-US" dirty="0" err="1" smtClean="0"/>
-              <a:t>お</a:t>
-            </a:r>
-            <a:r>
-              <a:rPr kumimoji="1" lang="ja-JP" altLang="en-US" dirty="0" smtClean="0"/>
-              <a:t>！</a:t>
-            </a:r>
-            <a:endParaRPr kumimoji="1" lang="en-US" altLang="ja-JP" dirty="0" smtClean="0"/>
-          </a:p>
-          <a:p>
-            <a:r>
-              <a:rPr kumimoji="1" lang="en-US" altLang="ja-JP" dirty="0" smtClean="0"/>
-              <a:t>min-</a:t>
-            </a:r>
-            <a:r>
-              <a:rPr kumimoji="1" lang="en-US" altLang="ja-JP" dirty="0" err="1" smtClean="0"/>
-              <a:t>rt</a:t>
-            </a:r>
-            <a:r>
-              <a:rPr kumimoji="1" lang="en-US" altLang="ja-JP" dirty="0" smtClean="0"/>
-              <a:t> </a:t>
-            </a:r>
-            <a:r>
-              <a:rPr kumimoji="1" lang="ja-JP" altLang="en-US" dirty="0" smtClean="0"/>
-              <a:t>を読もうとして挫折した</a:t>
-            </a:r>
-            <a:r>
-              <a:rPr kumimoji="1" lang="ja-JP" altLang="en-US" dirty="0" err="1" smtClean="0"/>
-              <a:t>お</a:t>
-            </a:r>
-            <a:r>
-              <a:rPr kumimoji="1" lang="ja-JP" altLang="en-US" dirty="0" smtClean="0"/>
-              <a:t>！</a:t>
-            </a:r>
-            <a:endParaRPr kumimoji="1" lang="en-US" altLang="ja-JP" dirty="0" smtClean="0"/>
-          </a:p>
-          <a:p>
-            <a:r>
-              <a:rPr lang="ja-JP" altLang="en-US" dirty="0" smtClean="0"/>
-              <a:t>命令数減らないよ～</a:t>
-            </a:r>
-            <a:endParaRPr kumimoji="1" lang="en-US" altLang="ja-JP" dirty="0" smtClean="0"/>
-          </a:p>
-          <a:p>
-            <a:endParaRPr kumimoji="1" lang="ja-JP" altLang="en-US" dirty="0"/>
-          </a:p>
-        </p:txBody>
-      </p:sp>
-    </p:spTree>
-  </p:cSld>
-  <p:clrMapOvr>
-    <a:masterClrMapping/>
-  </p:clrMapOvr>
-  <p:timing>
-    <p:tnLst>
-      <p:par>
-        <p:cTn id="1" dur="indefinite" restart="never" nodeType="tmRoot"/>
-      </p:par>
-    </p:tnLst>
-  </p:timing>
-</p:sld>
-</file>
-
-<file path=ppt/slides/slide34.xml><?xml version="1.0" encoding="utf-8"?>
-<p:sld xmlns:a="http://schemas.openxmlformats.org/drawingml/2006/main" xmlns:r="http://schemas.openxmlformats.org/officeDocument/2006/relationships" xmlns:p="http://schemas.openxmlformats.org/presentationml/2006/main">
-  <p:cSld>
-    <p:spTree>
-      <p:nvGrpSpPr>
-        <p:cNvPr id="1" name=""/>
-        <p:cNvGrpSpPr/>
-        <p:nvPr/>
-      </p:nvGrpSpPr>
-      <p:grpSpPr>
-        <a:xfrm>
-          <a:off x="0" y="0"/>
-          <a:ext cx="0" cy="0"/>
-          <a:chOff x="0" y="0"/>
-          <a:chExt cx="0" cy="0"/>
-        </a:xfrm>
-      </p:grpSpPr>
-      <p:sp>
-        <p:nvSpPr>
-          <p:cNvPr id="2" name="タイトル 1"/>
-          <p:cNvSpPr>
-            <a:spLocks noGrp="1"/>
-          </p:cNvSpPr>
-          <p:nvPr>
-            <p:ph type="title"/>
-          </p:nvPr>
-        </p:nvSpPr>
-        <p:spPr/>
-        <p:txBody>
-          <a:bodyPr/>
-          <a:lstStyle/>
-          <a:p>
-            <a:r>
-              <a:rPr kumimoji="1" lang="ja-JP" altLang="en-US" dirty="0" smtClean="0"/>
-              <a:t>ガントチャート</a:t>
-            </a:r>
-            <a:endParaRPr kumimoji="1" lang="ja-JP" altLang="en-US" dirty="0"/>
-          </a:p>
-        </p:txBody>
-      </p:sp>
-      <p:sp>
-        <p:nvSpPr>
-          <p:cNvPr id="3" name="コンテンツ プレースホルダ 2"/>
-          <p:cNvSpPr>
-            <a:spLocks noGrp="1"/>
-          </p:cNvSpPr>
-          <p:nvPr>
-            <p:ph idx="1"/>
-          </p:nvPr>
-        </p:nvSpPr>
-        <p:spPr/>
-        <p:txBody>
-          <a:bodyPr/>
-          <a:lstStyle/>
-          <a:p>
-            <a:endParaRPr kumimoji="1" lang="ja-JP" altLang="en-US" dirty="0"/>
-          </a:p>
-        </p:txBody>
-      </p:sp>
-      <p:pic>
-        <p:nvPicPr>
-          <p:cNvPr id="3075" name="Picture 3"/>
-          <p:cNvPicPr>
-            <a:picLocks noChangeAspect="1" noChangeArrowheads="1"/>
-          </p:cNvPicPr>
-          <p:nvPr/>
-        </p:nvPicPr>
-        <p:blipFill>
-          <a:blip r:embed="rId2" cstate="print"/>
-          <a:srcRect/>
-          <a:stretch>
-            <a:fillRect/>
-          </a:stretch>
-        </p:blipFill>
-        <p:spPr bwMode="auto">
-          <a:xfrm>
-            <a:off x="1362052" y="1566849"/>
-            <a:ext cx="6429420" cy="5200266"/>
-          </a:xfrm>
-          <a:prstGeom prst="rect">
-            <a:avLst/>
-          </a:prstGeom>
-          <a:noFill/>
-          <a:ln w="9525">
-            <a:noFill/>
-            <a:miter lim="800000"/>
-            <a:headEnd/>
-            <a:tailEnd/>
-          </a:ln>
-        </p:spPr>
-      </p:pic>
-    </p:spTree>
-  </p:cSld>
-  <p:clrMapOvr>
-    <a:masterClrMapping/>
-  </p:clrMapOvr>
-</p:sld>
-</file>
-
-<file path=ppt/slides/slide35.xml><?xml version="1.0" encoding="utf-8"?>
-<p:sld xmlns:a="http://schemas.openxmlformats.org/drawingml/2006/main" xmlns:r="http://schemas.openxmlformats.org/officeDocument/2006/relationships" xmlns:p="http://schemas.openxmlformats.org/presentationml/2006/main">
-  <p:cSld>
-    <p:spTree>
-      <p:nvGrpSpPr>
-        <p:cNvPr id="1" name=""/>
-        <p:cNvGrpSpPr/>
-        <p:nvPr/>
-      </p:nvGrpSpPr>
-      <p:grpSpPr>
-        <a:xfrm>
-          <a:off x="0" y="0"/>
-          <a:ext cx="0" cy="0"/>
-          <a:chOff x="0" y="0"/>
-          <a:chExt cx="0" cy="0"/>
-        </a:xfrm>
-      </p:grpSpPr>
-      <p:sp>
-        <p:nvSpPr>
-          <p:cNvPr id="2" name="タイトル 1"/>
-          <p:cNvSpPr>
-            <a:spLocks noGrp="1"/>
-          </p:cNvSpPr>
-          <p:nvPr>
-            <p:ph type="title"/>
-          </p:nvPr>
-        </p:nvSpPr>
-        <p:spPr/>
-        <p:txBody>
-          <a:bodyPr/>
-          <a:lstStyle/>
-          <a:p>
-            <a:r>
-              <a:rPr kumimoji="1" lang="ja-JP" altLang="en-US" dirty="0" smtClean="0"/>
-              <a:t>来週までの予定</a:t>
-            </a:r>
-            <a:endParaRPr kumimoji="1" lang="ja-JP" altLang="en-US" dirty="0"/>
-          </a:p>
-        </p:txBody>
-      </p:sp>
-      <p:sp>
-        <p:nvSpPr>
-          <p:cNvPr id="3" name="コンテンツ プレースホルダ 2"/>
-          <p:cNvSpPr>
-            <a:spLocks noGrp="1"/>
-          </p:cNvSpPr>
-          <p:nvPr>
-            <p:ph idx="1"/>
-          </p:nvPr>
-        </p:nvSpPr>
-        <p:spPr/>
-        <p:txBody>
-          <a:bodyPr/>
-          <a:lstStyle/>
-          <a:p>
-            <a:r>
-              <a:rPr kumimoji="1" lang="en-US" altLang="ja-JP" dirty="0" smtClean="0"/>
               <a:t>CPU</a:t>
             </a:r>
           </a:p>
@@ -20188,12 +19260,12 @@
           <a:p>
             <a:pPr lvl="1"/>
             <a:r>
-              <a:rPr lang="ja-JP" altLang="en-US" dirty="0" err="1" smtClean="0"/>
-              <a:t>ちょー</a:t>
-            </a:r>
-            <a:r>
-              <a:rPr lang="ja-JP" altLang="en-US" dirty="0" smtClean="0"/>
-              <a:t>遅くなったのでデバッグする</a:t>
+              <a:rPr lang="en-US" altLang="ja-JP" dirty="0" smtClean="0"/>
+              <a:t>FPU</a:t>
+            </a:r>
+            <a:r>
+              <a:rPr lang="ja-JP" altLang="en-US" dirty="0" smtClean="0"/>
+              <a:t>のシミュレーションのバグとり</a:t>
             </a:r>
             <a:endParaRPr lang="en-US" altLang="ja-JP" dirty="0" smtClean="0"/>
           </a:p>
@@ -20208,19 +19280,30 @@
             <a:pPr lvl="1"/>
             <a:r>
               <a:rPr lang="ja-JP" altLang="en-US" dirty="0" smtClean="0"/>
-              <a:t>体調</a:t>
-            </a:r>
-            <a:r>
-              <a:rPr lang="ja-JP" altLang="en-US" dirty="0" err="1" smtClean="0"/>
-              <a:t>悪いからすとー</a:t>
-            </a:r>
-            <a:r>
-              <a:rPr lang="ja-JP" altLang="en-US" dirty="0" smtClean="0"/>
-              <a:t>るする</a:t>
-            </a:r>
-            <a:r>
-              <a:rPr lang="ja-JP" altLang="en-US" dirty="0" err="1" smtClean="0"/>
-              <a:t>お</a:t>
+              <a:t>鬼門と言われている</a:t>
+            </a:r>
+            <a:r>
+              <a:rPr lang="en-US" altLang="ja-JP" dirty="0" smtClean="0"/>
+              <a:t>USB</a:t>
+            </a:r>
+            <a:r>
+              <a:rPr lang="ja-JP" altLang="en-US" dirty="0" smtClean="0"/>
+              <a:t>モジュールに手を出す。</a:t>
+            </a:r>
+            <a:endParaRPr lang="en-US" altLang="ja-JP" dirty="0" smtClean="0"/>
+          </a:p>
+          <a:p>
+            <a:r>
+              <a:rPr lang="ja-JP" altLang="en-US" dirty="0" smtClean="0"/>
+              <a:t>マージャン</a:t>
+            </a:r>
+            <a:endParaRPr lang="en-US" altLang="ja-JP" dirty="0" smtClean="0"/>
+          </a:p>
+          <a:p>
+            <a:pPr lvl="1"/>
+            <a:r>
+              <a:rPr lang="ja-JP" altLang="en-US" dirty="0" smtClean="0"/>
+              <a:t>班の存続をかけて戦う</a:t>
             </a:r>
             <a:endParaRPr lang="en-US" altLang="ja-JP" dirty="0" smtClean="0"/>
           </a:p>
@@ -20313,11 +19396,7 @@
             <a:pPr lvl="1"/>
             <a:r>
               <a:rPr lang="en-US" altLang="ja-JP" sz="1600" dirty="0" smtClean="0"/>
-              <a:t>CLB(Configurable </a:t>
-            </a:r>
-            <a:r>
-              <a:rPr lang="en-US" altLang="ja-JP" sz="1600" dirty="0" smtClean="0"/>
-              <a:t>Logic Block)</a:t>
+              <a:t>CLB(Configurable Logic Block)</a:t>
             </a:r>
           </a:p>
           <a:p>
@@ -20382,11 +19461,7 @@
             <a:pPr lvl="2"/>
             <a:r>
               <a:rPr lang="ja-JP" altLang="en-US" sz="1600" dirty="0" smtClean="0"/>
-              <a:t>最大</a:t>
-            </a:r>
-            <a:r>
-              <a:rPr lang="ja-JP" altLang="en-US" sz="1600" dirty="0" smtClean="0"/>
-              <a:t>分散</a:t>
+              <a:t>最大分散</a:t>
             </a:r>
             <a:r>
               <a:rPr lang="en-US" altLang="ja-JP" sz="1600" dirty="0" smtClean="0"/>
@@ -20417,11 +19492,7 @@
             </a:r>
             <a:r>
               <a:rPr lang="ja-JP" altLang="en-US" sz="1600" dirty="0" smtClean="0"/>
-              <a:t>乗算器</a:t>
-            </a:r>
-            <a:r>
-              <a:rPr lang="ja-JP" altLang="en-US" sz="1600" dirty="0" smtClean="0"/>
-              <a:t>・</a:t>
+              <a:t>乗算器・</a:t>
             </a:r>
             <a:endParaRPr lang="en-US" altLang="ja-JP" sz="1600" dirty="0" smtClean="0"/>
           </a:p>
@@ -20435,11 +19506,7 @@
             </a:r>
             <a:r>
               <a:rPr lang="ja-JP" altLang="en-US" sz="1600" dirty="0" smtClean="0"/>
-              <a:t>加算器</a:t>
-            </a:r>
-            <a:r>
-              <a:rPr lang="ja-JP" altLang="en-US" sz="1600" dirty="0" smtClean="0"/>
-              <a:t>・アキュミュレータを</a:t>
+              <a:t>加算器・アキュミュレータを</a:t>
             </a:r>
             <a:r>
               <a:rPr lang="en-US" altLang="ja-JP" sz="1600" dirty="0" smtClean="0"/>
@@ -20485,11 +19552,7 @@
             </a:r>
             <a:r>
               <a:rPr lang="ja-JP" altLang="en-US" sz="1600" dirty="0" smtClean="0"/>
-              <a:t>のもの</a:t>
-            </a:r>
-            <a:r>
-              <a:rPr lang="ja-JP" altLang="en-US" sz="1600" dirty="0" smtClean="0"/>
-              <a:t>が</a:t>
+              <a:t>のものが</a:t>
             </a:r>
             <a:endParaRPr lang="en-US" altLang="ja-JP" sz="1600" dirty="0" smtClean="0"/>
           </a:p>
@@ -20499,29 +19562,16 @@
             </a:pPr>
             <a:r>
               <a:rPr lang="en-US" altLang="ja-JP" sz="1600" dirty="0" smtClean="0"/>
-              <a:t>	</a:t>
-            </a:r>
-            <a:r>
-              <a:rPr lang="en-US" altLang="ja-JP" sz="1600" dirty="0" smtClean="0"/>
-              <a:t>18Kb*2</a:t>
+              <a:t>	18Kb*2</a:t>
             </a:r>
             <a:r>
               <a:rPr lang="ja-JP" altLang="en-US" sz="1600" dirty="0" smtClean="0"/>
-              <a:t>としても使えるという</a:t>
-            </a:r>
-            <a:r>
-              <a:rPr lang="ja-JP" altLang="en-US" sz="1600" dirty="0" smtClean="0"/>
-              <a:t>こと</a:t>
-            </a:r>
-            <a:r>
-              <a:rPr lang="ja-JP" altLang="en-US" sz="1600" dirty="0" smtClean="0"/>
-              <a:t>よ</a:t>
+              <a:t>としても使えるということよ</a:t>
             </a:r>
             <a:r>
               <a:rPr lang="en-US" altLang="ja-JP" sz="1600" dirty="0" smtClean="0"/>
               <a:t>)</a:t>
             </a:r>
-            <a:endParaRPr lang="en-US" altLang="ja-JP" sz="1600" dirty="0" smtClean="0"/>
           </a:p>
           <a:p>
             <a:pPr lvl="2"/>
@@ -20608,27 +19658,17 @@
               <a:rPr lang="ja-JP" altLang="en-US" dirty="0" smtClean="0"/>
               <a:t>クロック</a:t>
             </a:r>
-            <a:endParaRPr lang="ja-JP" altLang="en-US" dirty="0" smtClean="0"/>
           </a:p>
           <a:p>
             <a:pPr lvl="1"/>
             <a:r>
               <a:rPr lang="en-US" altLang="ja-JP" dirty="0" smtClean="0"/>
-              <a:t>66.66MHz(15ns</a:t>
-            </a:r>
-            <a:r>
-              <a:rPr lang="en-US" altLang="ja-JP" dirty="0" smtClean="0"/>
-              <a:t>)</a:t>
-            </a:r>
-            <a:r>
-              <a:rPr lang="ja-JP" altLang="en-US" dirty="0" smtClean="0"/>
-              <a:t>が出ていて、これをメインで使うことに</a:t>
-            </a:r>
-            <a:r>
-              <a:rPr lang="ja-JP" altLang="en-US" dirty="0" smtClean="0"/>
-              <a:t>なるわ</a:t>
-            </a:r>
-            <a:endParaRPr lang="ja-JP" altLang="en-US" dirty="0" smtClean="0"/>
+              <a:t>66.66MHz(15ns)</a:t>
+            </a:r>
+            <a:r>
+              <a:rPr lang="ja-JP" altLang="en-US" dirty="0" smtClean="0"/>
+              <a:t>が出ていて、これをメインで使うことになるわ</a:t>
+            </a:r>
           </a:p>
           <a:p>
             <a:pPr lvl="1"/>
@@ -20648,7 +19688,6 @@
               <a:rPr lang="ja-JP" altLang="en-US" dirty="0" smtClean="0"/>
               <a:t>用よ</a:t>
             </a:r>
-            <a:endParaRPr lang="ja-JP" altLang="en-US" dirty="0" smtClean="0"/>
           </a:p>
           <a:p>
             <a:pPr lvl="1"/>
@@ -20662,23 +19701,14 @@
             </a:r>
             <a:r>
               <a:rPr lang="ja-JP" altLang="en-US" dirty="0" smtClean="0"/>
-              <a:t>いうのがあるが、これは</a:t>
-            </a:r>
-            <a:r>
-              <a:rPr lang="ja-JP" altLang="en-US" dirty="0" smtClean="0"/>
-              <a:t>リセットスイッチよ</a:t>
-            </a:r>
-            <a:endParaRPr lang="ja-JP" altLang="en-US" dirty="0" smtClean="0"/>
+              <a:t>いうのがあるが、これはリセットスイッチよ</a:t>
+            </a:r>
           </a:p>
           <a:p>
             <a:pPr lvl="2"/>
             <a:r>
               <a:rPr lang="ja-JP" altLang="en-US" dirty="0" smtClean="0"/>
-              <a:t>旧基板</a:t>
-            </a:r>
-            <a:r>
-              <a:rPr lang="ja-JP" altLang="en-US" dirty="0" smtClean="0"/>
-              <a:t>では</a:t>
+              <a:t>旧基板では</a:t>
             </a:r>
             <a:r>
               <a:rPr lang="en-US" altLang="ja-JP" dirty="0" smtClean="0"/>
@@ -20686,11 +19716,7 @@
             </a:r>
             <a:r>
               <a:rPr lang="ja-JP" altLang="en-US" dirty="0" smtClean="0"/>
-              <a:t>の内容まで消えたが、新基板では普通にリセットスイッチとして</a:t>
-            </a:r>
-            <a:r>
-              <a:rPr lang="ja-JP" altLang="en-US" dirty="0" smtClean="0"/>
-              <a:t>使えるわよ</a:t>
+              <a:t>の内容まで消えたが、新基板では普通にリセットスイッチとして使えるわよ</a:t>
             </a:r>
             <a:endParaRPr kumimoji="1" lang="ja-JP" altLang="en-US" dirty="0"/>
           </a:p>
@@ -20777,11 +19803,7 @@
             <a:pPr lvl="1"/>
             <a:r>
               <a:rPr lang="ja-JP" altLang="en-US" sz="1600" dirty="0" smtClean="0"/>
-              <a:t>みて</a:t>
-            </a:r>
-            <a:r>
-              <a:rPr lang="ja-JP" altLang="en-US" sz="1600" dirty="0" smtClean="0"/>
-              <a:t>分かるとおり、</a:t>
+              <a:t>みて分かるとおり、</a:t>
             </a:r>
             <a:r>
               <a:rPr lang="en-US" altLang="ja-JP" sz="1600" dirty="0" smtClean="0"/>
@@ -20789,23 +19811,14 @@
             </a:r>
             <a:r>
               <a:rPr lang="ja-JP" altLang="en-US" sz="1600" dirty="0" smtClean="0"/>
-              <a:t>は基板上に</a:t>
-            </a:r>
+              <a:t>は基板上にないわ</a:t>
+            </a:r>
+          </a:p>
+          <a:p>
+            <a:pPr lvl="1"/>
             <a:r>
               <a:rPr lang="ja-JP" altLang="en-US" sz="1600" dirty="0" smtClean="0"/>
-              <a:t>ないわ</a:t>
-            </a:r>
-            <a:endParaRPr lang="ja-JP" altLang="en-US" sz="1600" dirty="0" smtClean="0"/>
-          </a:p>
-          <a:p>
-            <a:pPr lvl="1"/>
-            <a:r>
-              <a:rPr lang="ja-JP" altLang="en-US" sz="1600" dirty="0" smtClean="0"/>
-              <a:t>拡張</a:t>
-            </a:r>
-            <a:r>
-              <a:rPr lang="ja-JP" altLang="en-US" sz="1600" dirty="0" smtClean="0"/>
-              <a:t>基板は、</a:t>
+              <a:t>拡張基板は、</a:t>
             </a:r>
             <a:r>
               <a:rPr lang="en-US" altLang="ja-JP" sz="1600" dirty="0" smtClean="0"/>
@@ -20829,39 +19842,21 @@
             </a:r>
             <a:r>
               <a:rPr lang="ja-JP" altLang="en-US" sz="1600" dirty="0" smtClean="0"/>
-              <a:t>や並びは</a:t>
-            </a:r>
+              <a:t>や並びは同じよ</a:t>
+            </a:r>
+          </a:p>
+          <a:p>
+            <a:pPr lvl="2"/>
             <a:r>
               <a:rPr lang="ja-JP" altLang="en-US" sz="1600" dirty="0" smtClean="0"/>
-              <a:t>同じよ</a:t>
-            </a:r>
-            <a:endParaRPr lang="ja-JP" altLang="en-US" sz="1600" dirty="0" smtClean="0"/>
+              <a:t>今までの拡張基板がそのまま使えるわ</a:t>
+            </a:r>
           </a:p>
           <a:p>
             <a:pPr lvl="2"/>
             <a:r>
               <a:rPr lang="ja-JP" altLang="en-US" sz="1600" dirty="0" smtClean="0"/>
-              <a:t>今</a:t>
-            </a:r>
-            <a:r>
-              <a:rPr lang="ja-JP" altLang="en-US" sz="1600" dirty="0" smtClean="0"/>
-              <a:t>までの拡張基板がそのまま</a:t>
-            </a:r>
-            <a:r>
-              <a:rPr lang="ja-JP" altLang="en-US" sz="1600" dirty="0" smtClean="0"/>
-              <a:t>使えるわ</a:t>
-            </a:r>
-            <a:endParaRPr lang="ja-JP" altLang="en-US" sz="1600" dirty="0" smtClean="0"/>
-          </a:p>
-          <a:p>
-            <a:pPr lvl="2"/>
-            <a:r>
-              <a:rPr lang="ja-JP" altLang="en-US" sz="1600" dirty="0" smtClean="0"/>
-              <a:t>適当</a:t>
-            </a:r>
-            <a:r>
-              <a:rPr lang="ja-JP" altLang="en-US" sz="1600" dirty="0" smtClean="0"/>
-              <a:t>に旧基板の</a:t>
+              <a:t>適当に旧基板の</a:t>
             </a:r>
             <a:r>
               <a:rPr lang="en-US" altLang="ja-JP" sz="1600" dirty="0" smtClean="0"/>
@@ -20877,13 +19872,8 @@
             </a:r>
             <a:r>
               <a:rPr lang="ja-JP" altLang="en-US" sz="1600" dirty="0" smtClean="0"/>
-              <a:t>に書き換えるスクリプトを</a:t>
-            </a:r>
-            <a:r>
-              <a:rPr lang="ja-JP" altLang="en-US" sz="1600" dirty="0" smtClean="0"/>
-              <a:t>書いたわ</a:t>
-            </a:r>
-            <a:endParaRPr lang="ja-JP" altLang="en-US" sz="1600" dirty="0" smtClean="0"/>
+              <a:t>に書き換えるスクリプトを書いたわ</a:t>
+            </a:r>
           </a:p>
           <a:p>
             <a:pPr lvl="1"/>
@@ -20893,11 +19883,7 @@
             </a:r>
             <a:r>
               <a:rPr lang="ja-JP" altLang="en-US" sz="1600" dirty="0" smtClean="0"/>
-              <a:t>は、間に電圧を調整するだけのチップを</a:t>
-            </a:r>
-            <a:r>
-              <a:rPr lang="ja-JP" altLang="en-US" sz="1600" dirty="0" smtClean="0"/>
-              <a:t>挟んで</a:t>
+              <a:t>は、間に電圧を調整するだけのチップを挟んで</a:t>
             </a:r>
             <a:endParaRPr lang="en-US" altLang="ja-JP" sz="1600" dirty="0" smtClean="0"/>
           </a:p>
@@ -20911,17 +19897,8 @@
             </a:r>
             <a:r>
               <a:rPr lang="ja-JP" altLang="en-US" sz="1600" dirty="0" smtClean="0"/>
-              <a:t>その</a:t>
-            </a:r>
-            <a:r>
-              <a:rPr lang="ja-JP" altLang="en-US" sz="1600" dirty="0" smtClean="0"/>
-              <a:t>ままソケットにつながって</a:t>
-            </a:r>
-            <a:r>
-              <a:rPr lang="ja-JP" altLang="en-US" sz="1600" dirty="0" smtClean="0"/>
-              <a:t>いるわ</a:t>
-            </a:r>
-            <a:endParaRPr lang="ja-JP" altLang="en-US" sz="1600" dirty="0" smtClean="0"/>
+              <a:t>そのままソケットにつながっているわ</a:t>
+            </a:r>
           </a:p>
           <a:p>
             <a:pPr lvl="1"/>
@@ -20931,23 +19908,14 @@
             </a:r>
             <a:r>
               <a:rPr lang="ja-JP" altLang="en-US" sz="1600" dirty="0" smtClean="0"/>
-              <a:t>チップはまだよく</a:t>
-            </a:r>
+              <a:t>チップはまだよくわからないわ</a:t>
+            </a:r>
+          </a:p>
+          <a:p>
+            <a:pPr lvl="2"/>
             <a:r>
               <a:rPr lang="ja-JP" altLang="en-US" sz="1600" dirty="0" smtClean="0"/>
-              <a:t>わからないわ</a:t>
-            </a:r>
-            <a:endParaRPr lang="ja-JP" altLang="en-US" sz="1600" dirty="0" smtClean="0"/>
-          </a:p>
-          <a:p>
-            <a:pPr lvl="2"/>
-            <a:r>
-              <a:rPr lang="ja-JP" altLang="en-US" sz="1600" dirty="0" smtClean="0"/>
-              <a:t>クロック</a:t>
-            </a:r>
-            <a:r>
-              <a:rPr lang="ja-JP" altLang="en-US" sz="1600" dirty="0" smtClean="0"/>
-              <a:t>と同期して動かす方式で、上の</a:t>
+              <a:t>クロックと同期して動かす方式で、上の</a:t>
             </a:r>
             <a:r>
               <a:rPr lang="en-US" altLang="ja-JP" sz="1600" dirty="0" smtClean="0"/>
@@ -20964,11 +19932,7 @@
             </a:r>
             <a:r>
               <a:rPr lang="ja-JP" altLang="en-US" sz="1600" dirty="0" smtClean="0"/>
-              <a:t>が</a:t>
-            </a:r>
-            <a:r>
-              <a:rPr lang="ja-JP" altLang="en-US" sz="1600" dirty="0" smtClean="0"/>
-              <a:t>既に入っている</a:t>
+              <a:t>が既に入っている</a:t>
             </a:r>
             <a:r>
               <a:rPr lang="en-US" altLang="ja-JP" sz="1600" dirty="0" smtClean="0"/>
@@ -20987,17 +19951,12 @@
             <a:pPr lvl="1"/>
             <a:r>
               <a:rPr lang="en-US" altLang="ja-JP" sz="1600" dirty="0" smtClean="0"/>
-              <a:t>DDR2-SDRAM(SO-DIMM,266MHz</a:t>
-            </a:r>
-            <a:r>
-              <a:rPr lang="en-US" altLang="ja-JP" sz="1600" dirty="0" smtClean="0"/>
-              <a:t>)</a:t>
+              <a:t>DDR2-SDRAM(SO-DIMM,266MHz)</a:t>
             </a:r>
             <a:r>
               <a:rPr lang="ja-JP" altLang="en-US" sz="1600" dirty="0" smtClean="0"/>
               <a:t>ソケット</a:t>
             </a:r>
-            <a:endParaRPr lang="ja-JP" altLang="en-US" sz="1600" dirty="0" smtClean="0"/>
           </a:p>
           <a:p>
             <a:pPr lvl="1"/>
@@ -21015,15 +19974,7 @@
             </a:r>
             <a:r>
               <a:rPr lang="ja-JP" altLang="en-US" sz="1600" dirty="0" smtClean="0"/>
-              <a:t>があ</a:t>
-            </a:r>
-            <a:r>
-              <a:rPr lang="ja-JP" altLang="en-US" sz="1600" dirty="0" smtClean="0"/>
-              <a:t>る</a:t>
-            </a:r>
-            <a:r>
-              <a:rPr lang="ja-JP" altLang="en-US" sz="1600" dirty="0" smtClean="0"/>
-              <a:t>けど・・・</a:t>
+              <a:t>があるけど・・・</a:t>
             </a:r>
             <a:endParaRPr kumimoji="1" lang="ja-JP" altLang="en-US" sz="1600" dirty="0"/>
           </a:p>
@@ -21117,15 +20068,7 @@
             </a:r>
             <a:r>
               <a:rPr lang="ja-JP" altLang="en-US" dirty="0" smtClean="0"/>
-              <a:t>ペリフェラルコネクタが</a:t>
-            </a:r>
-            <a:r>
-              <a:rPr lang="ja-JP" altLang="en-US" dirty="0" smtClean="0"/>
-              <a:t>使える</a:t>
-            </a:r>
-            <a:r>
-              <a:rPr lang="ja-JP" altLang="en-US" dirty="0" smtClean="0"/>
-              <a:t>わ</a:t>
+              <a:t>ペリフェラルコネクタが使えるわ</a:t>
             </a:r>
           </a:p>
           <a:p>
@@ -21148,13 +20091,8 @@
             </a:r>
             <a:r>
               <a:rPr lang="ja-JP" altLang="en-US" dirty="0" smtClean="0"/>
-              <a:t>があって、それをつながないと起動</a:t>
-            </a:r>
-            <a:r>
-              <a:rPr lang="ja-JP" altLang="en-US" dirty="0" smtClean="0"/>
-              <a:t>しないわ</a:t>
-            </a:r>
-            <a:endParaRPr lang="ja-JP" altLang="en-US" dirty="0" smtClean="0"/>
+              <a:t>があって、それをつながないと起動しないわ</a:t>
+            </a:r>
           </a:p>
           <a:p>
             <a:pPr lvl="2"/>
@@ -21178,17 +20116,12 @@
               <a:rPr lang="ja-JP" altLang="en-US" dirty="0" smtClean="0"/>
               <a:t>よいわね</a:t>
             </a:r>
-            <a:endParaRPr lang="ja-JP" altLang="en-US" dirty="0" smtClean="0"/>
           </a:p>
           <a:p>
             <a:pPr lvl="2"/>
             <a:r>
               <a:rPr lang="ja-JP" altLang="en-US" dirty="0" smtClean="0"/>
-              <a:t>具体的</a:t>
-            </a:r>
-            <a:r>
-              <a:rPr lang="ja-JP" altLang="en-US" dirty="0" smtClean="0"/>
-              <a:t>には、</a:t>
+              <a:t>具体的には、</a:t>
             </a:r>
             <a:r>
               <a:rPr lang="en-US" altLang="ja-JP" dirty="0" smtClean="0"/>
@@ -21196,13 +20129,8 @@
             </a:r>
             <a:r>
               <a:rPr lang="ja-JP" altLang="en-US" dirty="0" smtClean="0"/>
-              <a:t>のやつの緑の線と黒の線を適当な抵抗をつないでショートさせれば</a:t>
-            </a:r>
-            <a:r>
-              <a:rPr lang="ja-JP" altLang="en-US" dirty="0" smtClean="0"/>
-              <a:t>よいわ</a:t>
-            </a:r>
-            <a:endParaRPr lang="ja-JP" altLang="en-US" dirty="0" smtClean="0"/>
+              <a:t>のやつの緑の線と黒の線を適当な抵抗をつないでショートさせればよいわ</a:t>
+            </a:r>
           </a:p>
           <a:p>
             <a:pPr lvl="2"/>
@@ -21216,11 +20144,7 @@
             </a:r>
             <a:r>
               <a:rPr lang="ja-JP" altLang="en-US" dirty="0" smtClean="0"/>
-              <a:t>直接銅線を刺すように書いて</a:t>
-            </a:r>
-            <a:r>
-              <a:rPr lang="ja-JP" altLang="en-US" dirty="0" smtClean="0"/>
-              <a:t>いる</a:t>
+              <a:t>直接銅線を刺すように書いている</a:t>
             </a:r>
             <a:endParaRPr lang="en-US" altLang="ja-JP" dirty="0" smtClean="0"/>
           </a:p>
@@ -21234,15 +20158,7 @@
             </a:r>
             <a:r>
               <a:rPr lang="ja-JP" altLang="en-US" dirty="0" smtClean="0"/>
-              <a:t>けど抵抗</a:t>
-            </a:r>
-            <a:r>
-              <a:rPr lang="ja-JP" altLang="en-US" dirty="0" smtClean="0"/>
-              <a:t>つないだ方が安全だ</a:t>
-            </a:r>
-            <a:r>
-              <a:rPr lang="ja-JP" altLang="en-US" dirty="0" smtClean="0"/>
-              <a:t>しね</a:t>
+              <a:t>けど抵抗つないだ方が安全だしね</a:t>
             </a:r>
             <a:endParaRPr kumimoji="1" lang="ja-JP" altLang="en-US" dirty="0"/>
           </a:p>
@@ -21344,15 +20260,7 @@
             </a:r>
             <a:r>
               <a:rPr lang="ja-JP" altLang="en-US" dirty="0" smtClean="0"/>
-              <a:t>本の</a:t>
-            </a:r>
-            <a:r>
-              <a:rPr lang="ja-JP" altLang="en-US" dirty="0" smtClean="0"/>
-              <a:t>線</a:t>
-            </a:r>
-            <a:r>
-              <a:rPr lang="ja-JP" altLang="en-US" dirty="0" smtClean="0"/>
-              <a:t>よ</a:t>
+              <a:t>本の線よ</a:t>
             </a:r>
             <a:r>
               <a:rPr lang="en-US" altLang="ja-JP" dirty="0" smtClean="0"/>
@@ -21371,35 +20279,14 @@
             <a:pPr lvl="1"/>
             <a:r>
               <a:rPr lang="ja-JP" altLang="en-US" dirty="0" smtClean="0"/>
-              <a:t>他</a:t>
-            </a:r>
-            <a:r>
-              <a:rPr lang="ja-JP" altLang="en-US" dirty="0" smtClean="0"/>
-              <a:t>のピンは制御線だが、仕様が曖昧なところが</a:t>
-            </a:r>
-            <a:r>
-              <a:rPr lang="ja-JP" altLang="en-US" dirty="0" smtClean="0"/>
-              <a:t>あるから、</a:t>
-            </a:r>
-            <a:r>
-              <a:rPr lang="ja-JP" altLang="en-US" dirty="0" smtClean="0"/>
-              <a:t>使用はお勧め</a:t>
-            </a:r>
-            <a:r>
-              <a:rPr lang="ja-JP" altLang="en-US" dirty="0" smtClean="0"/>
-              <a:t>できないわ</a:t>
-            </a:r>
-            <a:endParaRPr lang="ja-JP" altLang="en-US" dirty="0" smtClean="0"/>
+              <a:t>他のピンは制御線だが、仕様が曖昧なところがあるから、使用はお勧めできないわ</a:t>
+            </a:r>
           </a:p>
           <a:p>
             <a:pPr lvl="1"/>
             <a:r>
               <a:rPr lang="ja-JP" altLang="en-US" dirty="0" smtClean="0"/>
-              <a:t>むしろ</a:t>
-            </a:r>
-            <a:r>
-              <a:rPr lang="ja-JP" altLang="en-US" dirty="0" smtClean="0"/>
-              <a:t>たった</a:t>
+              <a:t>むしろたった</a:t>
             </a:r>
             <a:r>
               <a:rPr lang="en-US" altLang="ja-JP" dirty="0" smtClean="0"/>
@@ -21415,35 +20302,7 @@
             </a:r>
             <a:r>
               <a:rPr lang="ja-JP" altLang="en-US" dirty="0" smtClean="0"/>
-              <a:t>のすごい</a:t>
-            </a:r>
-            <a:r>
-              <a:rPr lang="ja-JP" altLang="en-US" dirty="0" smtClean="0"/>
-              <a:t>ところ</a:t>
-            </a:r>
-            <a:r>
-              <a:rPr lang="ja-JP" altLang="en-US" dirty="0" smtClean="0"/>
-              <a:t>だから</a:t>
-            </a:r>
-            <a:r>
-              <a:rPr lang="ja-JP" altLang="en-US" dirty="0" smtClean="0"/>
-              <a:t>、</a:t>
-            </a:r>
-            <a:r>
-              <a:rPr lang="ja-JP" altLang="en-US" dirty="0" smtClean="0"/>
-              <a:t>これだけで</a:t>
-            </a:r>
-            <a:r>
-              <a:rPr lang="ja-JP" altLang="en-US" dirty="0" smtClean="0"/>
-              <a:t>通信</a:t>
-            </a:r>
-            <a:r>
-              <a:rPr lang="ja-JP" altLang="en-US" dirty="0" smtClean="0"/>
-              <a:t>するの</a:t>
-            </a:r>
-            <a:r>
-              <a:rPr lang="ja-JP" altLang="en-US" dirty="0" smtClean="0"/>
-              <a:t>がいいわよ</a:t>
+              <a:t>のすごいところだから、これだけで通信するのがいいわよ</a:t>
             </a:r>
             <a:endParaRPr kumimoji="1" lang="ja-JP" altLang="en-US" dirty="0"/>
           </a:p>
@@ -21545,26 +20404,14 @@
             </a:r>
             <a:r>
               <a:rPr lang="ja-JP" altLang="en-US" dirty="0" smtClean="0"/>
-              <a:t>とモデムの間をつなぐのに使われて</a:t>
-            </a:r>
-            <a:r>
-              <a:rPr lang="ja-JP" altLang="en-US" dirty="0" smtClean="0"/>
-              <a:t>いた</a:t>
-            </a:r>
-            <a:r>
-              <a:rPr lang="ja-JP" altLang="en-US" dirty="0" smtClean="0"/>
-              <a:t>わ</a:t>
+              <a:t>とモデムの間をつなぐのに使われていたわ</a:t>
             </a:r>
           </a:p>
           <a:p>
             <a:pPr lvl="2"/>
             <a:r>
               <a:rPr lang="ja-JP" altLang="en-US" dirty="0" smtClean="0"/>
-              <a:t>その</a:t>
-            </a:r>
-            <a:r>
-              <a:rPr lang="ja-JP" altLang="en-US" dirty="0" smtClean="0"/>
-              <a:t>ときは、普通に</a:t>
+              <a:t>そのときは、普通に</a:t>
             </a:r>
             <a:r>
               <a:rPr lang="en-US" altLang="ja-JP" dirty="0" smtClean="0"/>
@@ -21580,11 +20427,7 @@
             </a:r>
             <a:r>
               <a:rPr lang="ja-JP" altLang="en-US" dirty="0" smtClean="0"/>
-              <a:t>が受信できるように受信線に送信すれば</a:t>
-            </a:r>
-            <a:r>
-              <a:rPr lang="ja-JP" altLang="en-US" dirty="0" smtClean="0"/>
-              <a:t>よかったの</a:t>
+              <a:t>が受信できるように受信線に送信すればよかったの</a:t>
             </a:r>
             <a:r>
               <a:rPr lang="en-US" altLang="ja-JP" dirty="0" smtClean="0"/>
@@ -21603,11 +20446,7 @@
             <a:pPr lvl="1"/>
             <a:r>
               <a:rPr lang="ja-JP" altLang="en-US" dirty="0" smtClean="0"/>
-              <a:t>これ</a:t>
-            </a:r>
-            <a:r>
-              <a:rPr lang="ja-JP" altLang="en-US" dirty="0" smtClean="0"/>
-              <a:t>を、</a:t>
+              <a:t>これを、</a:t>
             </a:r>
             <a:r>
               <a:rPr lang="en-US" altLang="ja-JP" dirty="0" smtClean="0"/>
@@ -21615,11 +20454,7 @@
             </a:r>
             <a:r>
               <a:rPr lang="ja-JP" altLang="en-US" dirty="0" smtClean="0"/>
-              <a:t>間、あるいは他の機器と接続するとき</a:t>
-            </a:r>
-            <a:r>
-              <a:rPr lang="ja-JP" altLang="en-US" dirty="0" smtClean="0"/>
-              <a:t>、</a:t>
+              <a:t>間、あるいは他の機器と接続するとき、</a:t>
             </a:r>
             <a:endParaRPr lang="en-US" altLang="ja-JP" dirty="0" smtClean="0"/>
           </a:p>
@@ -21633,15 +20468,7 @@
             </a:r>
             <a:r>
               <a:rPr lang="ja-JP" altLang="en-US" dirty="0" smtClean="0"/>
-              <a:t>その</a:t>
-            </a:r>
-            <a:r>
-              <a:rPr lang="ja-JP" altLang="en-US" dirty="0" smtClean="0"/>
-              <a:t>まま接続すると、受信線と受信線・送信線</a:t>
-            </a:r>
-            <a:r>
-              <a:rPr lang="ja-JP" altLang="en-US" dirty="0" smtClean="0"/>
-              <a:t>と</a:t>
+              <a:t>そのまま接続すると、受信線と受信線・送信線と</a:t>
             </a:r>
             <a:endParaRPr lang="en-US" altLang="ja-JP" dirty="0" smtClean="0"/>
           </a:p>
@@ -21655,31 +20482,14 @@
             </a:r>
             <a:r>
               <a:rPr lang="ja-JP" altLang="en-US" dirty="0" smtClean="0"/>
-              <a:t>送信</a:t>
-            </a:r>
-            <a:r>
-              <a:rPr lang="ja-JP" altLang="en-US" dirty="0" smtClean="0"/>
-              <a:t>線がつながって</a:t>
-            </a:r>
-            <a:r>
-              <a:rPr lang="ja-JP" altLang="en-US" dirty="0" smtClean="0"/>
-              <a:t>しまうわ</a:t>
-            </a:r>
-            <a:endParaRPr lang="ja-JP" altLang="en-US" dirty="0" smtClean="0"/>
+              <a:t>送信線がつながってしまうわ</a:t>
+            </a:r>
           </a:p>
           <a:p>
             <a:pPr lvl="1"/>
             <a:r>
               <a:rPr lang="ja-JP" altLang="en-US" dirty="0" smtClean="0"/>
-              <a:t>そこ</a:t>
-            </a:r>
-            <a:r>
-              <a:rPr lang="ja-JP" altLang="en-US" dirty="0" smtClean="0"/>
-              <a:t>で、受信線と相手の送信線をつなぐよう</a:t>
-            </a:r>
-            <a:r>
-              <a:rPr lang="ja-JP" altLang="en-US" dirty="0" smtClean="0"/>
-              <a:t>に</a:t>
+              <a:t>そこで、受信線と相手の送信線をつなぐように</a:t>
             </a:r>
             <a:endParaRPr lang="en-US" altLang="ja-JP" dirty="0" smtClean="0"/>
           </a:p>
@@ -21693,15 +20503,7 @@
             </a:r>
             <a:r>
               <a:rPr lang="ja-JP" altLang="en-US" dirty="0" smtClean="0"/>
-              <a:t>した</a:t>
-            </a:r>
-            <a:r>
-              <a:rPr lang="ja-JP" altLang="en-US" dirty="0" smtClean="0"/>
-              <a:t>ものを、クロスケーブルと</a:t>
-            </a:r>
-            <a:r>
-              <a:rPr lang="ja-JP" altLang="en-US" dirty="0" smtClean="0"/>
-              <a:t>いうわ</a:t>
+              <a:t>したものを、クロスケーブルというわ</a:t>
             </a:r>
             <a:endParaRPr kumimoji="1" lang="ja-JP" altLang="en-US" dirty="0"/>
           </a:p>
